--- a/ppt/spring-security-easy-in-01.pptx
+++ b/ppt/spring-security-easy-in-01.pptx
@@ -301,7 +301,7 @@
             <a:fld id="{530820CF-B880-4189-942D-D702A7CBA730}" type="datetimeFigureOut">
               <a:rPr lang="zh-CN" altLang="en-US" smtClean="0"/>
               <a:pPr/>
-              <a:t>2018/11/8</a:t>
+              <a:t>2018/11/16</a:t>
             </a:fld>
             <a:endParaRPr lang="zh-CN" altLang="en-US"/>
           </a:p>
@@ -468,7 +468,7 @@
             <a:fld id="{530820CF-B880-4189-942D-D702A7CBA730}" type="datetimeFigureOut">
               <a:rPr lang="zh-CN" altLang="en-US" smtClean="0"/>
               <a:pPr/>
-              <a:t>2018/11/8</a:t>
+              <a:t>2018/11/16</a:t>
             </a:fld>
             <a:endParaRPr lang="zh-CN" altLang="en-US"/>
           </a:p>
@@ -645,7 +645,7 @@
             <a:fld id="{530820CF-B880-4189-942D-D702A7CBA730}" type="datetimeFigureOut">
               <a:rPr lang="zh-CN" altLang="en-US" smtClean="0"/>
               <a:pPr/>
-              <a:t>2018/11/8</a:t>
+              <a:t>2018/11/16</a:t>
             </a:fld>
             <a:endParaRPr lang="zh-CN" altLang="en-US"/>
           </a:p>
@@ -812,7 +812,7 @@
             <a:fld id="{530820CF-B880-4189-942D-D702A7CBA730}" type="datetimeFigureOut">
               <a:rPr lang="zh-CN" altLang="en-US" smtClean="0"/>
               <a:pPr/>
-              <a:t>2018/11/8</a:t>
+              <a:t>2018/11/16</a:t>
             </a:fld>
             <a:endParaRPr lang="zh-CN" altLang="en-US"/>
           </a:p>
@@ -1055,7 +1055,7 @@
             <a:fld id="{530820CF-B880-4189-942D-D702A7CBA730}" type="datetimeFigureOut">
               <a:rPr lang="zh-CN" altLang="en-US" smtClean="0"/>
               <a:pPr/>
-              <a:t>2018/11/8</a:t>
+              <a:t>2018/11/16</a:t>
             </a:fld>
             <a:endParaRPr lang="zh-CN" altLang="en-US"/>
           </a:p>
@@ -1340,7 +1340,7 @@
             <a:fld id="{530820CF-B880-4189-942D-D702A7CBA730}" type="datetimeFigureOut">
               <a:rPr lang="zh-CN" altLang="en-US" smtClean="0"/>
               <a:pPr/>
-              <a:t>2018/11/8</a:t>
+              <a:t>2018/11/16</a:t>
             </a:fld>
             <a:endParaRPr lang="zh-CN" altLang="en-US"/>
           </a:p>
@@ -1759,7 +1759,7 @@
             <a:fld id="{530820CF-B880-4189-942D-D702A7CBA730}" type="datetimeFigureOut">
               <a:rPr lang="zh-CN" altLang="en-US" smtClean="0"/>
               <a:pPr/>
-              <a:t>2018/11/8</a:t>
+              <a:t>2018/11/16</a:t>
             </a:fld>
             <a:endParaRPr lang="zh-CN" altLang="en-US"/>
           </a:p>
@@ -1874,7 +1874,7 @@
             <a:fld id="{530820CF-B880-4189-942D-D702A7CBA730}" type="datetimeFigureOut">
               <a:rPr lang="zh-CN" altLang="en-US" smtClean="0"/>
               <a:pPr/>
-              <a:t>2018/11/8</a:t>
+              <a:t>2018/11/16</a:t>
             </a:fld>
             <a:endParaRPr lang="zh-CN" altLang="en-US"/>
           </a:p>
@@ -1966,7 +1966,7 @@
             <a:fld id="{530820CF-B880-4189-942D-D702A7CBA730}" type="datetimeFigureOut">
               <a:rPr lang="zh-CN" altLang="en-US" smtClean="0"/>
               <a:pPr/>
-              <a:t>2018/11/8</a:t>
+              <a:t>2018/11/16</a:t>
             </a:fld>
             <a:endParaRPr lang="zh-CN" altLang="en-US"/>
           </a:p>
@@ -2240,7 +2240,7 @@
             <a:fld id="{530820CF-B880-4189-942D-D702A7CBA730}" type="datetimeFigureOut">
               <a:rPr lang="zh-CN" altLang="en-US" smtClean="0"/>
               <a:pPr/>
-              <a:t>2018/11/8</a:t>
+              <a:t>2018/11/16</a:t>
             </a:fld>
             <a:endParaRPr lang="zh-CN" altLang="en-US"/>
           </a:p>
@@ -2490,7 +2490,7 @@
             <a:fld id="{530820CF-B880-4189-942D-D702A7CBA730}" type="datetimeFigureOut">
               <a:rPr lang="zh-CN" altLang="en-US" smtClean="0"/>
               <a:pPr/>
-              <a:t>2018/11/8</a:t>
+              <a:t>2018/11/16</a:t>
             </a:fld>
             <a:endParaRPr lang="zh-CN" altLang="en-US"/>
           </a:p>
@@ -2705,7 +2705,7 @@
             <a:fld id="{530820CF-B880-4189-942D-D702A7CBA730}" type="datetimeFigureOut">
               <a:rPr lang="zh-CN" altLang="en-US" smtClean="0"/>
               <a:pPr/>
-              <a:t>2018/11/8</a:t>
+              <a:t>2018/11/16</a:t>
             </a:fld>
             <a:endParaRPr lang="zh-CN" altLang="en-US"/>
           </a:p>
@@ -4031,7 +4031,7 @@
         <p:spPr>
           <a:xfrm>
             <a:off x="714348" y="1500174"/>
-            <a:ext cx="7929618" cy="2554545"/>
+            <a:ext cx="7929618" cy="1077218"/>
           </a:xfrm>
           <a:prstGeom prst="rect">
             <a:avLst/>
@@ -4120,7 +4120,20 @@
                 <a:latin typeface="华文楷体" pitchFamily="2" charset="-122"/>
                 <a:ea typeface="华文楷体" pitchFamily="2" charset="-122"/>
               </a:rPr>
-              <a:t>有密切关系</a:t>
+              <a:t>有密切</a:t>
+            </a:r>
+            <a:r>
+              <a:rPr lang="zh-CN" altLang="en-US" sz="3200" b="1" dirty="0" smtClean="0">
+                <a:solidFill>
+                  <a:schemeClr val="tx1">
+                    <a:lumMod val="75000"/>
+                    <a:lumOff val="25000"/>
+                  </a:schemeClr>
+                </a:solidFill>
+                <a:latin typeface="华文楷体" pitchFamily="2" charset="-122"/>
+                <a:ea typeface="华文楷体" pitchFamily="2" charset="-122"/>
+              </a:rPr>
+              <a:t>关系</a:t>
             </a:r>
             <a:endParaRPr lang="en-US" altLang="zh-CN" sz="3200" b="1" dirty="0" smtClean="0">
               <a:solidFill>
@@ -4133,6 +4146,29 @@
               <a:ea typeface="华文楷体" pitchFamily="2" charset="-122"/>
             </a:endParaRPr>
           </a:p>
+        </p:txBody>
+      </p:sp>
+      <p:sp>
+        <p:nvSpPr>
+          <p:cNvPr id="4" name="TextBox 3"/>
+          <p:cNvSpPr txBox="1"/>
+          <p:nvPr/>
+        </p:nvSpPr>
+        <p:spPr>
+          <a:xfrm>
+            <a:off x="714348" y="2786058"/>
+            <a:ext cx="7929618" cy="1569660"/>
+          </a:xfrm>
+          <a:prstGeom prst="rect">
+            <a:avLst/>
+          </a:prstGeom>
+          <a:noFill/>
+        </p:spPr>
+        <p:txBody>
+          <a:bodyPr wrap="square" rtlCol="0">
+            <a:spAutoFit/>
+          </a:bodyPr>
+          <a:lstStyle/>
           <a:p>
             <a:r>
               <a:rPr lang="zh-CN" altLang="en-US" sz="3200" b="1" dirty="0" smtClean="0">
@@ -4145,7 +4181,20 @@
                 <a:latin typeface="华文楷体" pitchFamily="2" charset="-122"/>
                 <a:ea typeface="华文楷体" pitchFamily="2" charset="-122"/>
               </a:rPr>
-              <a:t>所以需要配置</a:t>
+              <a:t>所以</a:t>
+            </a:r>
+            <a:r>
+              <a:rPr lang="zh-CN" altLang="en-US" sz="3200" b="1" dirty="0" smtClean="0">
+                <a:solidFill>
+                  <a:schemeClr val="tx1">
+                    <a:lumMod val="75000"/>
+                    <a:lumOff val="25000"/>
+                  </a:schemeClr>
+                </a:solidFill>
+                <a:latin typeface="华文楷体" pitchFamily="2" charset="-122"/>
+                <a:ea typeface="华文楷体" pitchFamily="2" charset="-122"/>
+              </a:rPr>
+              <a:t>需要配置</a:t>
             </a:r>
             <a:r>
               <a:rPr lang="en-US" altLang="zh-CN" sz="3200" b="1" dirty="0" err="1" smtClean="0">
@@ -4171,33 +4220,7 @@
                 <a:latin typeface="华文楷体" pitchFamily="2" charset="-122"/>
                 <a:ea typeface="华文楷体" pitchFamily="2" charset="-122"/>
               </a:rPr>
-              <a:t>和</a:t>
-            </a:r>
-            <a:r>
-              <a:rPr lang="zh-CN" altLang="en-US" sz="3200" b="1" dirty="0" smtClean="0">
-                <a:solidFill>
-                  <a:schemeClr val="tx1">
-                    <a:lumMod val="75000"/>
-                    <a:lumOff val="25000"/>
-                  </a:schemeClr>
-                </a:solidFill>
-                <a:latin typeface="华文楷体" pitchFamily="2" charset="-122"/>
-                <a:ea typeface="华文楷体" pitchFamily="2" charset="-122"/>
-              </a:rPr>
-              <a:t>角色（权限）的</a:t>
-            </a:r>
-            <a:r>
-              <a:rPr lang="zh-CN" altLang="en-US" sz="3200" b="1" dirty="0" smtClean="0">
-                <a:solidFill>
-                  <a:schemeClr val="tx1">
-                    <a:lumMod val="75000"/>
-                    <a:lumOff val="25000"/>
-                  </a:schemeClr>
-                </a:solidFill>
-                <a:latin typeface="华文楷体" pitchFamily="2" charset="-122"/>
-                <a:ea typeface="华文楷体" pitchFamily="2" charset="-122"/>
-              </a:rPr>
-              <a:t>对应关系</a:t>
+              <a:t>和角色（权限）的对应关系</a:t>
             </a:r>
             <a:endParaRPr lang="en-US" altLang="zh-CN" sz="3200" b="1" dirty="0" smtClean="0">
               <a:solidFill>
@@ -4273,9 +4296,182 @@
   <p:timing>
     <p:tnLst>
       <p:par>
-        <p:cTn id="1" dur="indefinite" restart="never" nodeType="tmRoot"/>
+        <p:cTn id="1" dur="indefinite" restart="never" nodeType="tmRoot">
+          <p:childTnLst>
+            <p:seq concurrent="1" nextAc="seek">
+              <p:cTn id="2" dur="indefinite" nodeType="mainSeq">
+                <p:childTnLst>
+                  <p:par>
+                    <p:cTn id="3" fill="hold">
+                      <p:stCondLst>
+                        <p:cond delay="indefinite"/>
+                      </p:stCondLst>
+                      <p:childTnLst>
+                        <p:par>
+                          <p:cTn id="4" fill="hold">
+                            <p:stCondLst>
+                              <p:cond delay="0"/>
+                            </p:stCondLst>
+                            <p:childTnLst>
+                              <p:par>
+                                <p:cTn id="5" presetID="22" presetClass="entr" presetSubtype="4" fill="hold" grpId="0" nodeType="clickEffect">
+                                  <p:stCondLst>
+                                    <p:cond delay="0"/>
+                                  </p:stCondLst>
+                                  <p:childTnLst>
+                                    <p:set>
+                                      <p:cBhvr>
+                                        <p:cTn id="6" dur="1" fill="hold">
+                                          <p:stCondLst>
+                                            <p:cond delay="0"/>
+                                          </p:stCondLst>
+                                        </p:cTn>
+                                        <p:tgtEl>
+                                          <p:spTgt spid="4">
+                                            <p:txEl>
+                                              <p:pRg st="0" end="0"/>
+                                            </p:txEl>
+                                          </p:spTgt>
+                                        </p:tgtEl>
+                                        <p:attrNameLst>
+                                          <p:attrName>style.visibility</p:attrName>
+                                        </p:attrNameLst>
+                                      </p:cBhvr>
+                                      <p:to>
+                                        <p:strVal val="visible"/>
+                                      </p:to>
+                                    </p:set>
+                                    <p:animEffect transition="in" filter="wipe(down)">
+                                      <p:cBhvr>
+                                        <p:cTn id="7" dur="500"/>
+                                        <p:tgtEl>
+                                          <p:spTgt spid="4">
+                                            <p:txEl>
+                                              <p:pRg st="0" end="0"/>
+                                            </p:txEl>
+                                          </p:spTgt>
+                                        </p:tgtEl>
+                                      </p:cBhvr>
+                                    </p:animEffect>
+                                  </p:childTnLst>
+                                </p:cTn>
+                              </p:par>
+                              <p:par>
+                                <p:cTn id="8" presetID="22" presetClass="entr" presetSubtype="4" fill="hold" grpId="0" nodeType="withEffect">
+                                  <p:stCondLst>
+                                    <p:cond delay="0"/>
+                                  </p:stCondLst>
+                                  <p:childTnLst>
+                                    <p:set>
+                                      <p:cBhvr>
+                                        <p:cTn id="9" dur="1" fill="hold">
+                                          <p:stCondLst>
+                                            <p:cond delay="0"/>
+                                          </p:stCondLst>
+                                        </p:cTn>
+                                        <p:tgtEl>
+                                          <p:spTgt spid="4">
+                                            <p:txEl>
+                                              <p:pRg st="1" end="1"/>
+                                            </p:txEl>
+                                          </p:spTgt>
+                                        </p:tgtEl>
+                                        <p:attrNameLst>
+                                          <p:attrName>style.visibility</p:attrName>
+                                        </p:attrNameLst>
+                                      </p:cBhvr>
+                                      <p:to>
+                                        <p:strVal val="visible"/>
+                                      </p:to>
+                                    </p:set>
+                                    <p:animEffect transition="in" filter="wipe(down)">
+                                      <p:cBhvr>
+                                        <p:cTn id="10" dur="500"/>
+                                        <p:tgtEl>
+                                          <p:spTgt spid="4">
+                                            <p:txEl>
+                                              <p:pRg st="1" end="1"/>
+                                            </p:txEl>
+                                          </p:spTgt>
+                                        </p:tgtEl>
+                                      </p:cBhvr>
+                                    </p:animEffect>
+                                  </p:childTnLst>
+                                </p:cTn>
+                              </p:par>
+                              <p:par>
+                                <p:cTn id="11" presetID="22" presetClass="entr" presetSubtype="4" fill="hold" grpId="0" nodeType="withEffect">
+                                  <p:stCondLst>
+                                    <p:cond delay="0"/>
+                                  </p:stCondLst>
+                                  <p:childTnLst>
+                                    <p:set>
+                                      <p:cBhvr>
+                                        <p:cTn id="12" dur="1" fill="hold">
+                                          <p:stCondLst>
+                                            <p:cond delay="0"/>
+                                          </p:stCondLst>
+                                        </p:cTn>
+                                        <p:tgtEl>
+                                          <p:spTgt spid="4">
+                                            <p:txEl>
+                                              <p:pRg st="2" end="2"/>
+                                            </p:txEl>
+                                          </p:spTgt>
+                                        </p:tgtEl>
+                                        <p:attrNameLst>
+                                          <p:attrName>style.visibility</p:attrName>
+                                        </p:attrNameLst>
+                                      </p:cBhvr>
+                                      <p:to>
+                                        <p:strVal val="visible"/>
+                                      </p:to>
+                                    </p:set>
+                                    <p:animEffect transition="in" filter="wipe(down)">
+                                      <p:cBhvr>
+                                        <p:cTn id="13" dur="500"/>
+                                        <p:tgtEl>
+                                          <p:spTgt spid="4">
+                                            <p:txEl>
+                                              <p:pRg st="2" end="2"/>
+                                            </p:txEl>
+                                          </p:spTgt>
+                                        </p:tgtEl>
+                                      </p:cBhvr>
+                                    </p:animEffect>
+                                  </p:childTnLst>
+                                </p:cTn>
+                              </p:par>
+                            </p:childTnLst>
+                          </p:cTn>
+                        </p:par>
+                      </p:childTnLst>
+                    </p:cTn>
+                  </p:par>
+                </p:childTnLst>
+              </p:cTn>
+              <p:prevCondLst>
+                <p:cond evt="onPrev" delay="0">
+                  <p:tgtEl>
+                    <p:sldTgt/>
+                  </p:tgtEl>
+                </p:cond>
+              </p:prevCondLst>
+              <p:nextCondLst>
+                <p:cond evt="onNext" delay="0">
+                  <p:tgtEl>
+                    <p:sldTgt/>
+                  </p:tgtEl>
+                </p:cond>
+              </p:nextCondLst>
+            </p:seq>
+          </p:childTnLst>
+        </p:cTn>
       </p:par>
     </p:tnLst>
+    <p:bldLst>
+      <p:bldP spid="4" grpId="0" build="allAtOnce"/>
+    </p:bldLst>
   </p:timing>
 </p:sld>
 </file>
@@ -4367,7 +4563,7 @@
         <p:spPr>
           <a:xfrm>
             <a:off x="714348" y="1500174"/>
-            <a:ext cx="7929618" cy="1077218"/>
+            <a:ext cx="7929618" cy="584775"/>
           </a:xfrm>
           <a:prstGeom prst="rect">
             <a:avLst/>
@@ -4430,6 +4626,29 @@
               <a:ea typeface="华文楷体" pitchFamily="2" charset="-122"/>
             </a:endParaRPr>
           </a:p>
+        </p:txBody>
+      </p:sp>
+      <p:sp>
+        <p:nvSpPr>
+          <p:cNvPr id="4" name="TextBox 3"/>
+          <p:cNvSpPr txBox="1"/>
+          <p:nvPr/>
+        </p:nvSpPr>
+        <p:spPr>
+          <a:xfrm>
+            <a:off x="714348" y="2214554"/>
+            <a:ext cx="7929618" cy="584775"/>
+          </a:xfrm>
+          <a:prstGeom prst="rect">
+            <a:avLst/>
+          </a:prstGeom>
+          <a:noFill/>
+        </p:spPr>
+        <p:txBody>
+          <a:bodyPr wrap="square" rtlCol="0">
+            <a:spAutoFit/>
+          </a:bodyPr>
+          <a:lstStyle/>
           <a:p>
             <a:r>
               <a:rPr lang="en-US" altLang="zh-CN" sz="3200" b="1" dirty="0" err="1" smtClean="0">
@@ -4455,46 +4674,7 @@
                 <a:latin typeface="华文楷体" pitchFamily="2" charset="-122"/>
                 <a:ea typeface="华文楷体" pitchFamily="2" charset="-122"/>
               </a:rPr>
-              <a:t>和</a:t>
-            </a:r>
-            <a:r>
-              <a:rPr lang="zh-CN" altLang="en-US" sz="3200" b="1" dirty="0" smtClean="0">
-                <a:solidFill>
-                  <a:schemeClr val="tx1">
-                    <a:lumMod val="75000"/>
-                    <a:lumOff val="25000"/>
-                  </a:schemeClr>
-                </a:solidFill>
-                <a:latin typeface="华文楷体" pitchFamily="2" charset="-122"/>
-                <a:ea typeface="华文楷体" pitchFamily="2" charset="-122"/>
-              </a:rPr>
-              <a:t>角色（权限）的</a:t>
-            </a:r>
-            <a:r>
-              <a:rPr lang="zh-CN" altLang="en-US" sz="3200" b="1" dirty="0" smtClean="0">
-                <a:solidFill>
-                  <a:schemeClr val="tx1">
-                    <a:lumMod val="75000"/>
-                    <a:lumOff val="25000"/>
-                  </a:schemeClr>
-                </a:solidFill>
-                <a:latin typeface="华文楷体" pitchFamily="2" charset="-122"/>
-                <a:ea typeface="华文楷体" pitchFamily="2" charset="-122"/>
-              </a:rPr>
-              <a:t>对应关系</a:t>
-            </a:r>
-            <a:r>
-              <a:rPr lang="zh-CN" altLang="en-US" sz="3200" b="1" dirty="0" smtClean="0">
-                <a:solidFill>
-                  <a:schemeClr val="tx1">
-                    <a:lumMod val="75000"/>
-                    <a:lumOff val="25000"/>
-                  </a:schemeClr>
-                </a:solidFill>
-                <a:latin typeface="华文楷体" pitchFamily="2" charset="-122"/>
-                <a:ea typeface="华文楷体" pitchFamily="2" charset="-122"/>
-              </a:rPr>
-              <a:t>应该动态加载</a:t>
+              <a:t>和角色（权限）的对应关系应该动态加载</a:t>
             </a:r>
             <a:endParaRPr lang="en-US" altLang="zh-CN" sz="3200" b="1" dirty="0" smtClean="0">
               <a:solidFill>
@@ -4819,9 +4999,140 @@
   <p:timing>
     <p:tnLst>
       <p:par>
-        <p:cTn id="1" dur="indefinite" restart="never" nodeType="tmRoot"/>
+        <p:cTn id="1" dur="indefinite" restart="never" nodeType="tmRoot">
+          <p:childTnLst>
+            <p:seq concurrent="1" nextAc="seek">
+              <p:cTn id="2" dur="indefinite" nodeType="mainSeq">
+                <p:childTnLst>
+                  <p:par>
+                    <p:cTn id="3" fill="hold">
+                      <p:stCondLst>
+                        <p:cond delay="indefinite"/>
+                      </p:stCondLst>
+                      <p:childTnLst>
+                        <p:par>
+                          <p:cTn id="4" fill="hold">
+                            <p:stCondLst>
+                              <p:cond delay="0"/>
+                            </p:stCondLst>
+                            <p:childTnLst>
+                              <p:par>
+                                <p:cTn id="5" presetID="22" presetClass="entr" presetSubtype="4" fill="hold" grpId="0" nodeType="clickEffect">
+                                  <p:stCondLst>
+                                    <p:cond delay="0"/>
+                                  </p:stCondLst>
+                                  <p:childTnLst>
+                                    <p:set>
+                                      <p:cBhvr>
+                                        <p:cTn id="6" dur="1" fill="hold">
+                                          <p:stCondLst>
+                                            <p:cond delay="0"/>
+                                          </p:stCondLst>
+                                        </p:cTn>
+                                        <p:tgtEl>
+                                          <p:spTgt spid="8">
+                                            <p:txEl>
+                                              <p:pRg st="0" end="0"/>
+                                            </p:txEl>
+                                          </p:spTgt>
+                                        </p:tgtEl>
+                                        <p:attrNameLst>
+                                          <p:attrName>style.visibility</p:attrName>
+                                        </p:attrNameLst>
+                                      </p:cBhvr>
+                                      <p:to>
+                                        <p:strVal val="visible"/>
+                                      </p:to>
+                                    </p:set>
+                                    <p:animEffect transition="in" filter="wipe(down)">
+                                      <p:cBhvr>
+                                        <p:cTn id="7" dur="500"/>
+                                        <p:tgtEl>
+                                          <p:spTgt spid="8">
+                                            <p:txEl>
+                                              <p:pRg st="0" end="0"/>
+                                            </p:txEl>
+                                          </p:spTgt>
+                                        </p:tgtEl>
+                                      </p:cBhvr>
+                                    </p:animEffect>
+                                  </p:childTnLst>
+                                </p:cTn>
+                              </p:par>
+                              <p:par>
+                                <p:cTn id="8" presetID="22" presetClass="entr" presetSubtype="4" fill="hold" grpId="0" nodeType="withEffect">
+                                  <p:stCondLst>
+                                    <p:cond delay="0"/>
+                                  </p:stCondLst>
+                                  <p:childTnLst>
+                                    <p:set>
+                                      <p:cBhvr>
+                                        <p:cTn id="9" dur="1" fill="hold">
+                                          <p:stCondLst>
+                                            <p:cond delay="0"/>
+                                          </p:stCondLst>
+                                        </p:cTn>
+                                        <p:tgtEl>
+                                          <p:spTgt spid="9">
+                                            <p:txEl>
+                                              <p:pRg st="0" end="0"/>
+                                            </p:txEl>
+                                          </p:spTgt>
+                                        </p:tgtEl>
+                                        <p:attrNameLst>
+                                          <p:attrName>style.visibility</p:attrName>
+                                        </p:attrNameLst>
+                                      </p:cBhvr>
+                                      <p:to>
+                                        <p:strVal val="visible"/>
+                                      </p:to>
+                                    </p:set>
+                                    <p:animEffect transition="in" filter="wipe(down)">
+                                      <p:cBhvr>
+                                        <p:cTn id="10" dur="500"/>
+                                        <p:tgtEl>
+                                          <p:spTgt spid="9">
+                                            <p:txEl>
+                                              <p:pRg st="0" end="0"/>
+                                            </p:txEl>
+                                          </p:spTgt>
+                                        </p:tgtEl>
+                                      </p:cBhvr>
+                                    </p:animEffect>
+                                  </p:childTnLst>
+                                </p:cTn>
+                              </p:par>
+                            </p:childTnLst>
+                          </p:cTn>
+                        </p:par>
+                      </p:childTnLst>
+                    </p:cTn>
+                  </p:par>
+                </p:childTnLst>
+              </p:cTn>
+              <p:prevCondLst>
+                <p:cond evt="onPrev" delay="0">
+                  <p:tgtEl>
+                    <p:sldTgt/>
+                  </p:tgtEl>
+                </p:cond>
+              </p:prevCondLst>
+              <p:nextCondLst>
+                <p:cond evt="onNext" delay="0">
+                  <p:tgtEl>
+                    <p:sldTgt/>
+                  </p:tgtEl>
+                </p:cond>
+              </p:nextCondLst>
+            </p:seq>
+          </p:childTnLst>
+        </p:cTn>
       </p:par>
     </p:tnLst>
+    <p:bldLst>
+      <p:bldP spid="8" grpId="0" build="allAtOnce"/>
+      <p:bldP spid="9" grpId="0" build="allAtOnce"/>
+    </p:bldLst>
   </p:timing>
 </p:sld>
 </file>
@@ -5069,9 +5380,158 @@
   <p:timing>
     <p:tnLst>
       <p:par>
-        <p:cTn id="1" dur="indefinite" restart="never" nodeType="tmRoot"/>
+        <p:cTn id="1" dur="indefinite" restart="never" nodeType="tmRoot">
+          <p:childTnLst>
+            <p:seq concurrent="1" nextAc="seek">
+              <p:cTn id="2" dur="indefinite" nodeType="mainSeq">
+                <p:childTnLst>
+                  <p:par>
+                    <p:cTn id="3" fill="hold">
+                      <p:stCondLst>
+                        <p:cond delay="indefinite"/>
+                      </p:stCondLst>
+                      <p:childTnLst>
+                        <p:par>
+                          <p:cTn id="4" fill="hold">
+                            <p:stCondLst>
+                              <p:cond delay="0"/>
+                            </p:stCondLst>
+                            <p:childTnLst>
+                              <p:par>
+                                <p:cTn id="5" presetID="22" presetClass="entr" presetSubtype="4" fill="hold" grpId="0" nodeType="clickEffect">
+                                  <p:stCondLst>
+                                    <p:cond delay="0"/>
+                                  </p:stCondLst>
+                                  <p:childTnLst>
+                                    <p:set>
+                                      <p:cBhvr>
+                                        <p:cTn id="6" dur="1" fill="hold">
+                                          <p:stCondLst>
+                                            <p:cond delay="0"/>
+                                          </p:stCondLst>
+                                        </p:cTn>
+                                        <p:tgtEl>
+                                          <p:spTgt spid="8">
+                                            <p:txEl>
+                                              <p:pRg st="0" end="0"/>
+                                            </p:txEl>
+                                          </p:spTgt>
+                                        </p:tgtEl>
+                                        <p:attrNameLst>
+                                          <p:attrName>style.visibility</p:attrName>
+                                        </p:attrNameLst>
+                                      </p:cBhvr>
+                                      <p:to>
+                                        <p:strVal val="visible"/>
+                                      </p:to>
+                                    </p:set>
+                                    <p:animEffect transition="in" filter="wipe(down)">
+                                      <p:cBhvr>
+                                        <p:cTn id="7" dur="500"/>
+                                        <p:tgtEl>
+                                          <p:spTgt spid="8">
+                                            <p:txEl>
+                                              <p:pRg st="0" end="0"/>
+                                            </p:txEl>
+                                          </p:spTgt>
+                                        </p:tgtEl>
+                                      </p:cBhvr>
+                                    </p:animEffect>
+                                  </p:childTnLst>
+                                </p:cTn>
+                              </p:par>
+                            </p:childTnLst>
+                          </p:cTn>
+                        </p:par>
+                      </p:childTnLst>
+                    </p:cTn>
+                  </p:par>
+                  <p:par>
+                    <p:cTn id="8" fill="hold">
+                      <p:stCondLst>
+                        <p:cond delay="indefinite"/>
+                      </p:stCondLst>
+                      <p:childTnLst>
+                        <p:par>
+                          <p:cTn id="9" fill="hold">
+                            <p:stCondLst>
+                              <p:cond delay="0"/>
+                            </p:stCondLst>
+                            <p:childTnLst>
+                              <p:par>
+                                <p:cTn id="10" presetID="22" presetClass="entr" presetSubtype="4" fill="hold" grpId="0" nodeType="clickEffect">
+                                  <p:stCondLst>
+                                    <p:cond delay="0"/>
+                                  </p:stCondLst>
+                                  <p:childTnLst>
+                                    <p:set>
+                                      <p:cBhvr>
+                                        <p:cTn id="11" dur="1" fill="hold">
+                                          <p:stCondLst>
+                                            <p:cond delay="0"/>
+                                          </p:stCondLst>
+                                        </p:cTn>
+                                        <p:tgtEl>
+                                          <p:spTgt spid="9">
+                                            <p:txEl>
+                                              <p:pRg st="0" end="0"/>
+                                            </p:txEl>
+                                          </p:spTgt>
+                                        </p:tgtEl>
+                                        <p:attrNameLst>
+                                          <p:attrName>style.visibility</p:attrName>
+                                        </p:attrNameLst>
+                                      </p:cBhvr>
+                                      <p:to>
+                                        <p:strVal val="visible"/>
+                                      </p:to>
+                                    </p:set>
+                                    <p:animEffect transition="in" filter="wipe(down)">
+                                      <p:cBhvr>
+                                        <p:cTn id="12" dur="500"/>
+                                        <p:tgtEl>
+                                          <p:spTgt spid="9">
+                                            <p:txEl>
+                                              <p:pRg st="0" end="0"/>
+                                            </p:txEl>
+                                          </p:spTgt>
+                                        </p:tgtEl>
+                                      </p:cBhvr>
+                                    </p:animEffect>
+                                  </p:childTnLst>
+                                </p:cTn>
+                              </p:par>
+                            </p:childTnLst>
+                          </p:cTn>
+                        </p:par>
+                      </p:childTnLst>
+                    </p:cTn>
+                  </p:par>
+                </p:childTnLst>
+              </p:cTn>
+              <p:prevCondLst>
+                <p:cond evt="onPrev" delay="0">
+                  <p:tgtEl>
+                    <p:sldTgt/>
+                  </p:tgtEl>
+                </p:cond>
+              </p:prevCondLst>
+              <p:nextCondLst>
+                <p:cond evt="onNext" delay="0">
+                  <p:tgtEl>
+                    <p:sldTgt/>
+                  </p:tgtEl>
+                </p:cond>
+              </p:nextCondLst>
+            </p:seq>
+          </p:childTnLst>
+        </p:cTn>
       </p:par>
     </p:tnLst>
+    <p:bldLst>
+      <p:bldP spid="8" grpId="0" build="allAtOnce"/>
+      <p:bldP spid="9" grpId="0" build="allAtOnce"/>
+    </p:bldLst>
   </p:timing>
 </p:sld>
 </file>
@@ -5384,9 +5844,268 @@
   <p:timing>
     <p:tnLst>
       <p:par>
-        <p:cTn id="1" dur="indefinite" restart="never" nodeType="tmRoot"/>
+        <p:cTn id="1" dur="indefinite" restart="never" nodeType="tmRoot">
+          <p:childTnLst>
+            <p:seq concurrent="1" nextAc="seek">
+              <p:cTn id="2" dur="indefinite" nodeType="mainSeq">
+                <p:childTnLst>
+                  <p:par>
+                    <p:cTn id="3" fill="hold">
+                      <p:stCondLst>
+                        <p:cond delay="indefinite"/>
+                      </p:stCondLst>
+                      <p:childTnLst>
+                        <p:par>
+                          <p:cTn id="4" fill="hold">
+                            <p:stCondLst>
+                              <p:cond delay="0"/>
+                            </p:stCondLst>
+                            <p:childTnLst>
+                              <p:par>
+                                <p:cTn id="5" presetID="22" presetClass="entr" presetSubtype="4" fill="hold" grpId="0" nodeType="clickEffect">
+                                  <p:stCondLst>
+                                    <p:cond delay="0"/>
+                                  </p:stCondLst>
+                                  <p:childTnLst>
+                                    <p:set>
+                                      <p:cBhvr>
+                                        <p:cTn id="6" dur="1" fill="hold">
+                                          <p:stCondLst>
+                                            <p:cond delay="0"/>
+                                          </p:stCondLst>
+                                        </p:cTn>
+                                        <p:tgtEl>
+                                          <p:spTgt spid="8">
+                                            <p:txEl>
+                                              <p:pRg st="0" end="0"/>
+                                            </p:txEl>
+                                          </p:spTgt>
+                                        </p:tgtEl>
+                                        <p:attrNameLst>
+                                          <p:attrName>style.visibility</p:attrName>
+                                        </p:attrNameLst>
+                                      </p:cBhvr>
+                                      <p:to>
+                                        <p:strVal val="visible"/>
+                                      </p:to>
+                                    </p:set>
+                                    <p:animEffect transition="in" filter="wipe(down)">
+                                      <p:cBhvr>
+                                        <p:cTn id="7" dur="500"/>
+                                        <p:tgtEl>
+                                          <p:spTgt spid="8">
+                                            <p:txEl>
+                                              <p:pRg st="0" end="0"/>
+                                            </p:txEl>
+                                          </p:spTgt>
+                                        </p:tgtEl>
+                                      </p:cBhvr>
+                                    </p:animEffect>
+                                  </p:childTnLst>
+                                </p:cTn>
+                              </p:par>
+                              <p:par>
+                                <p:cTn id="8" presetID="22" presetClass="entr" presetSubtype="4" fill="hold" grpId="0" nodeType="withEffect">
+                                  <p:stCondLst>
+                                    <p:cond delay="0"/>
+                                  </p:stCondLst>
+                                  <p:childTnLst>
+                                    <p:set>
+                                      <p:cBhvr>
+                                        <p:cTn id="9" dur="1" fill="hold">
+                                          <p:stCondLst>
+                                            <p:cond delay="0"/>
+                                          </p:stCondLst>
+                                        </p:cTn>
+                                        <p:tgtEl>
+                                          <p:spTgt spid="8">
+                                            <p:txEl>
+                                              <p:pRg st="1" end="1"/>
+                                            </p:txEl>
+                                          </p:spTgt>
+                                        </p:tgtEl>
+                                        <p:attrNameLst>
+                                          <p:attrName>style.visibility</p:attrName>
+                                        </p:attrNameLst>
+                                      </p:cBhvr>
+                                      <p:to>
+                                        <p:strVal val="visible"/>
+                                      </p:to>
+                                    </p:set>
+                                    <p:animEffect transition="in" filter="wipe(down)">
+                                      <p:cBhvr>
+                                        <p:cTn id="10" dur="500"/>
+                                        <p:tgtEl>
+                                          <p:spTgt spid="8">
+                                            <p:txEl>
+                                              <p:pRg st="1" end="1"/>
+                                            </p:txEl>
+                                          </p:spTgt>
+                                        </p:tgtEl>
+                                      </p:cBhvr>
+                                    </p:animEffect>
+                                  </p:childTnLst>
+                                </p:cTn>
+                              </p:par>
+                              <p:par>
+                                <p:cTn id="11" presetID="22" presetClass="entr" presetSubtype="4" fill="hold" grpId="0" nodeType="withEffect">
+                                  <p:stCondLst>
+                                    <p:cond delay="0"/>
+                                  </p:stCondLst>
+                                  <p:childTnLst>
+                                    <p:set>
+                                      <p:cBhvr>
+                                        <p:cTn id="12" dur="1" fill="hold">
+                                          <p:stCondLst>
+                                            <p:cond delay="0"/>
+                                          </p:stCondLst>
+                                        </p:cTn>
+                                        <p:tgtEl>
+                                          <p:spTgt spid="8">
+                                            <p:txEl>
+                                              <p:pRg st="2" end="2"/>
+                                            </p:txEl>
+                                          </p:spTgt>
+                                        </p:tgtEl>
+                                        <p:attrNameLst>
+                                          <p:attrName>style.visibility</p:attrName>
+                                        </p:attrNameLst>
+                                      </p:cBhvr>
+                                      <p:to>
+                                        <p:strVal val="visible"/>
+                                      </p:to>
+                                    </p:set>
+                                    <p:animEffect transition="in" filter="wipe(down)">
+                                      <p:cBhvr>
+                                        <p:cTn id="13" dur="500"/>
+                                        <p:tgtEl>
+                                          <p:spTgt spid="8">
+                                            <p:txEl>
+                                              <p:pRg st="2" end="2"/>
+                                            </p:txEl>
+                                          </p:spTgt>
+                                        </p:tgtEl>
+                                      </p:cBhvr>
+                                    </p:animEffect>
+                                  </p:childTnLst>
+                                </p:cTn>
+                              </p:par>
+                              <p:par>
+                                <p:cTn id="14" presetID="22" presetClass="entr" presetSubtype="4" fill="hold" grpId="0" nodeType="withEffect">
+                                  <p:stCondLst>
+                                    <p:cond delay="0"/>
+                                  </p:stCondLst>
+                                  <p:childTnLst>
+                                    <p:set>
+                                      <p:cBhvr>
+                                        <p:cTn id="15" dur="1" fill="hold">
+                                          <p:stCondLst>
+                                            <p:cond delay="0"/>
+                                          </p:stCondLst>
+                                        </p:cTn>
+                                        <p:tgtEl>
+                                          <p:spTgt spid="8">
+                                            <p:txEl>
+                                              <p:pRg st="3" end="3"/>
+                                            </p:txEl>
+                                          </p:spTgt>
+                                        </p:tgtEl>
+                                        <p:attrNameLst>
+                                          <p:attrName>style.visibility</p:attrName>
+                                        </p:attrNameLst>
+                                      </p:cBhvr>
+                                      <p:to>
+                                        <p:strVal val="visible"/>
+                                      </p:to>
+                                    </p:set>
+                                    <p:animEffect transition="in" filter="wipe(down)">
+                                      <p:cBhvr>
+                                        <p:cTn id="16" dur="500"/>
+                                        <p:tgtEl>
+                                          <p:spTgt spid="8">
+                                            <p:txEl>
+                                              <p:pRg st="3" end="3"/>
+                                            </p:txEl>
+                                          </p:spTgt>
+                                        </p:tgtEl>
+                                      </p:cBhvr>
+                                    </p:animEffect>
+                                  </p:childTnLst>
+                                </p:cTn>
+                              </p:par>
+                              <p:par>
+                                <p:cTn id="17" presetID="22" presetClass="entr" presetSubtype="4" fill="hold" grpId="0" nodeType="withEffect">
+                                  <p:stCondLst>
+                                    <p:cond delay="0"/>
+                                  </p:stCondLst>
+                                  <p:childTnLst>
+                                    <p:set>
+                                      <p:cBhvr>
+                                        <p:cTn id="18" dur="1" fill="hold">
+                                          <p:stCondLst>
+                                            <p:cond delay="0"/>
+                                          </p:stCondLst>
+                                        </p:cTn>
+                                        <p:tgtEl>
+                                          <p:spTgt spid="8">
+                                            <p:txEl>
+                                              <p:pRg st="4" end="4"/>
+                                            </p:txEl>
+                                          </p:spTgt>
+                                        </p:tgtEl>
+                                        <p:attrNameLst>
+                                          <p:attrName>style.visibility</p:attrName>
+                                        </p:attrNameLst>
+                                      </p:cBhvr>
+                                      <p:to>
+                                        <p:strVal val="visible"/>
+                                      </p:to>
+                                    </p:set>
+                                    <p:animEffect transition="in" filter="wipe(down)">
+                                      <p:cBhvr>
+                                        <p:cTn id="19" dur="500"/>
+                                        <p:tgtEl>
+                                          <p:spTgt spid="8">
+                                            <p:txEl>
+                                              <p:pRg st="4" end="4"/>
+                                            </p:txEl>
+                                          </p:spTgt>
+                                        </p:tgtEl>
+                                      </p:cBhvr>
+                                    </p:animEffect>
+                                  </p:childTnLst>
+                                </p:cTn>
+                              </p:par>
+                            </p:childTnLst>
+                          </p:cTn>
+                        </p:par>
+                      </p:childTnLst>
+                    </p:cTn>
+                  </p:par>
+                </p:childTnLst>
+              </p:cTn>
+              <p:prevCondLst>
+                <p:cond evt="onPrev" delay="0">
+                  <p:tgtEl>
+                    <p:sldTgt/>
+                  </p:tgtEl>
+                </p:cond>
+              </p:prevCondLst>
+              <p:nextCondLst>
+                <p:cond evt="onNext" delay="0">
+                  <p:tgtEl>
+                    <p:sldTgt/>
+                  </p:tgtEl>
+                </p:cond>
+              </p:nextCondLst>
+            </p:seq>
+          </p:childTnLst>
+        </p:cTn>
       </p:par>
     </p:tnLst>
+    <p:bldLst>
+      <p:bldP spid="8" grpId="0" build="allAtOnce"/>
+    </p:bldLst>
   </p:timing>
 </p:sld>
 </file>
@@ -5517,6 +6236,117 @@
           </a:p>
         </p:txBody>
       </p:sp>
+      <p:sp>
+        <p:nvSpPr>
+          <p:cNvPr id="4" name="TextBox 3"/>
+          <p:cNvSpPr txBox="1"/>
+          <p:nvPr/>
+        </p:nvSpPr>
+        <p:spPr>
+          <a:xfrm>
+            <a:off x="714348" y="2788034"/>
+            <a:ext cx="7929618" cy="1569660"/>
+          </a:xfrm>
+          <a:prstGeom prst="rect">
+            <a:avLst/>
+          </a:prstGeom>
+          <a:noFill/>
+        </p:spPr>
+        <p:txBody>
+          <a:bodyPr wrap="square" rtlCol="0">
+            <a:spAutoFit/>
+          </a:bodyPr>
+          <a:lstStyle/>
+          <a:p>
+            <a:r>
+              <a:rPr lang="zh-CN" altLang="en-US" sz="3200" b="1" dirty="0" smtClean="0">
+                <a:solidFill>
+                  <a:schemeClr val="tx1">
+                    <a:lumMod val="75000"/>
+                    <a:lumOff val="25000"/>
+                  </a:schemeClr>
+                </a:solidFill>
+                <a:latin typeface="华文楷体" pitchFamily="2" charset="-122"/>
+                <a:ea typeface="华文楷体" pitchFamily="2" charset="-122"/>
+              </a:rPr>
+              <a:t>设置</a:t>
+            </a:r>
+            <a:r>
+              <a:rPr lang="zh-CN" altLang="en-US" sz="3200" b="1" dirty="0" smtClean="0">
+                <a:solidFill>
+                  <a:schemeClr val="tx1">
+                    <a:lumMod val="75000"/>
+                    <a:lumOff val="25000"/>
+                  </a:schemeClr>
+                </a:solidFill>
+                <a:latin typeface="华文楷体" pitchFamily="2" charset="-122"/>
+                <a:ea typeface="华文楷体" pitchFamily="2" charset="-122"/>
+              </a:rPr>
+              <a:t>属性</a:t>
+            </a:r>
+            <a:endParaRPr lang="en-US" altLang="zh-CN" sz="3200" b="1" dirty="0" smtClean="0">
+              <a:solidFill>
+                <a:schemeClr val="tx1">
+                  <a:lumMod val="75000"/>
+                  <a:lumOff val="25000"/>
+                </a:schemeClr>
+              </a:solidFill>
+              <a:latin typeface="华文楷体" pitchFamily="2" charset="-122"/>
+              <a:ea typeface="华文楷体" pitchFamily="2" charset="-122"/>
+            </a:endParaRPr>
+          </a:p>
+          <a:p>
+            <a:r>
+              <a:rPr lang="zh-CN" altLang="en-US" sz="3200" b="1" dirty="0" smtClean="0">
+                <a:solidFill>
+                  <a:schemeClr val="tx1">
+                    <a:lumMod val="75000"/>
+                    <a:lumOff val="25000"/>
+                  </a:schemeClr>
+                </a:solidFill>
+                <a:latin typeface="华文楷体" pitchFamily="2" charset="-122"/>
+                <a:ea typeface="华文楷体" pitchFamily="2" charset="-122"/>
+              </a:rPr>
+              <a:t>设置回调方法</a:t>
+            </a:r>
+            <a:endParaRPr lang="en-US" altLang="zh-CN" sz="3200" b="1" dirty="0" smtClean="0">
+              <a:solidFill>
+                <a:schemeClr val="tx1">
+                  <a:lumMod val="75000"/>
+                  <a:lumOff val="25000"/>
+                </a:schemeClr>
+              </a:solidFill>
+              <a:latin typeface="华文楷体" pitchFamily="2" charset="-122"/>
+              <a:ea typeface="华文楷体" pitchFamily="2" charset="-122"/>
+            </a:endParaRPr>
+          </a:p>
+          <a:p>
+            <a:r>
+              <a:rPr lang="zh-CN" altLang="en-US" sz="3200" b="1" dirty="0" smtClean="0">
+                <a:solidFill>
+                  <a:schemeClr val="tx1">
+                    <a:lumMod val="75000"/>
+                    <a:lumOff val="25000"/>
+                  </a:schemeClr>
+                </a:solidFill>
+                <a:latin typeface="华文楷体" pitchFamily="2" charset="-122"/>
+                <a:ea typeface="华文楷体" pitchFamily="2" charset="-122"/>
+              </a:rPr>
+              <a:t>重写指定方法</a:t>
+            </a:r>
+            <a:endParaRPr lang="zh-CN" altLang="en-US" sz="3200" b="1" dirty="0" smtClean="0">
+              <a:solidFill>
+                <a:schemeClr val="tx1">
+                  <a:lumMod val="75000"/>
+                  <a:lumOff val="25000"/>
+                </a:schemeClr>
+              </a:solidFill>
+              <a:latin typeface="华文楷体" pitchFamily="2" charset="-122"/>
+              <a:ea typeface="华文楷体" pitchFamily="2" charset="-122"/>
+            </a:endParaRPr>
+          </a:p>
+        </p:txBody>
+      </p:sp>
     </p:spTree>
   </p:cSld>
   <p:clrMapOvr>
@@ -5525,9 +6355,182 @@
   <p:timing>
     <p:tnLst>
       <p:par>
-        <p:cTn id="1" dur="indefinite" restart="never" nodeType="tmRoot"/>
+        <p:cTn id="1" dur="indefinite" restart="never" nodeType="tmRoot">
+          <p:childTnLst>
+            <p:seq concurrent="1" nextAc="seek">
+              <p:cTn id="2" dur="indefinite" nodeType="mainSeq">
+                <p:childTnLst>
+                  <p:par>
+                    <p:cTn id="3" fill="hold">
+                      <p:stCondLst>
+                        <p:cond delay="indefinite"/>
+                      </p:stCondLst>
+                      <p:childTnLst>
+                        <p:par>
+                          <p:cTn id="4" fill="hold">
+                            <p:stCondLst>
+                              <p:cond delay="0"/>
+                            </p:stCondLst>
+                            <p:childTnLst>
+                              <p:par>
+                                <p:cTn id="5" presetID="22" presetClass="entr" presetSubtype="4" fill="hold" grpId="0" nodeType="clickEffect">
+                                  <p:stCondLst>
+                                    <p:cond delay="0"/>
+                                  </p:stCondLst>
+                                  <p:childTnLst>
+                                    <p:set>
+                                      <p:cBhvr>
+                                        <p:cTn id="6" dur="1" fill="hold">
+                                          <p:stCondLst>
+                                            <p:cond delay="0"/>
+                                          </p:stCondLst>
+                                        </p:cTn>
+                                        <p:tgtEl>
+                                          <p:spTgt spid="4">
+                                            <p:txEl>
+                                              <p:pRg st="0" end="0"/>
+                                            </p:txEl>
+                                          </p:spTgt>
+                                        </p:tgtEl>
+                                        <p:attrNameLst>
+                                          <p:attrName>style.visibility</p:attrName>
+                                        </p:attrNameLst>
+                                      </p:cBhvr>
+                                      <p:to>
+                                        <p:strVal val="visible"/>
+                                      </p:to>
+                                    </p:set>
+                                    <p:animEffect transition="in" filter="wipe(down)">
+                                      <p:cBhvr>
+                                        <p:cTn id="7" dur="500"/>
+                                        <p:tgtEl>
+                                          <p:spTgt spid="4">
+                                            <p:txEl>
+                                              <p:pRg st="0" end="0"/>
+                                            </p:txEl>
+                                          </p:spTgt>
+                                        </p:tgtEl>
+                                      </p:cBhvr>
+                                    </p:animEffect>
+                                  </p:childTnLst>
+                                </p:cTn>
+                              </p:par>
+                              <p:par>
+                                <p:cTn id="8" presetID="22" presetClass="entr" presetSubtype="4" fill="hold" grpId="0" nodeType="withEffect">
+                                  <p:stCondLst>
+                                    <p:cond delay="0"/>
+                                  </p:stCondLst>
+                                  <p:childTnLst>
+                                    <p:set>
+                                      <p:cBhvr>
+                                        <p:cTn id="9" dur="1" fill="hold">
+                                          <p:stCondLst>
+                                            <p:cond delay="0"/>
+                                          </p:stCondLst>
+                                        </p:cTn>
+                                        <p:tgtEl>
+                                          <p:spTgt spid="4">
+                                            <p:txEl>
+                                              <p:pRg st="1" end="1"/>
+                                            </p:txEl>
+                                          </p:spTgt>
+                                        </p:tgtEl>
+                                        <p:attrNameLst>
+                                          <p:attrName>style.visibility</p:attrName>
+                                        </p:attrNameLst>
+                                      </p:cBhvr>
+                                      <p:to>
+                                        <p:strVal val="visible"/>
+                                      </p:to>
+                                    </p:set>
+                                    <p:animEffect transition="in" filter="wipe(down)">
+                                      <p:cBhvr>
+                                        <p:cTn id="10" dur="500"/>
+                                        <p:tgtEl>
+                                          <p:spTgt spid="4">
+                                            <p:txEl>
+                                              <p:pRg st="1" end="1"/>
+                                            </p:txEl>
+                                          </p:spTgt>
+                                        </p:tgtEl>
+                                      </p:cBhvr>
+                                    </p:animEffect>
+                                  </p:childTnLst>
+                                </p:cTn>
+                              </p:par>
+                              <p:par>
+                                <p:cTn id="11" presetID="22" presetClass="entr" presetSubtype="4" fill="hold" grpId="0" nodeType="withEffect">
+                                  <p:stCondLst>
+                                    <p:cond delay="0"/>
+                                  </p:stCondLst>
+                                  <p:childTnLst>
+                                    <p:set>
+                                      <p:cBhvr>
+                                        <p:cTn id="12" dur="1" fill="hold">
+                                          <p:stCondLst>
+                                            <p:cond delay="0"/>
+                                          </p:stCondLst>
+                                        </p:cTn>
+                                        <p:tgtEl>
+                                          <p:spTgt spid="4">
+                                            <p:txEl>
+                                              <p:pRg st="2" end="2"/>
+                                            </p:txEl>
+                                          </p:spTgt>
+                                        </p:tgtEl>
+                                        <p:attrNameLst>
+                                          <p:attrName>style.visibility</p:attrName>
+                                        </p:attrNameLst>
+                                      </p:cBhvr>
+                                      <p:to>
+                                        <p:strVal val="visible"/>
+                                      </p:to>
+                                    </p:set>
+                                    <p:animEffect transition="in" filter="wipe(down)">
+                                      <p:cBhvr>
+                                        <p:cTn id="13" dur="500"/>
+                                        <p:tgtEl>
+                                          <p:spTgt spid="4">
+                                            <p:txEl>
+                                              <p:pRg st="2" end="2"/>
+                                            </p:txEl>
+                                          </p:spTgt>
+                                        </p:tgtEl>
+                                      </p:cBhvr>
+                                    </p:animEffect>
+                                  </p:childTnLst>
+                                </p:cTn>
+                              </p:par>
+                            </p:childTnLst>
+                          </p:cTn>
+                        </p:par>
+                      </p:childTnLst>
+                    </p:cTn>
+                  </p:par>
+                </p:childTnLst>
+              </p:cTn>
+              <p:prevCondLst>
+                <p:cond evt="onPrev" delay="0">
+                  <p:tgtEl>
+                    <p:sldTgt/>
+                  </p:tgtEl>
+                </p:cond>
+              </p:prevCondLst>
+              <p:nextCondLst>
+                <p:cond evt="onNext" delay="0">
+                  <p:tgtEl>
+                    <p:sldTgt/>
+                  </p:tgtEl>
+                </p:cond>
+              </p:nextCondLst>
+            </p:seq>
+          </p:childTnLst>
+        </p:cTn>
       </p:par>
     </p:tnLst>
+    <p:bldLst>
+      <p:bldP spid="4" grpId="0" build="allAtOnce"/>
+    </p:bldLst>
   </p:timing>
 </p:sld>
 </file>
@@ -5582,7 +6585,7 @@
                 <a:latin typeface="华文楷体" pitchFamily="2" charset="-122"/>
                 <a:ea typeface="华文楷体" pitchFamily="2" charset="-122"/>
               </a:rPr>
-              <a:t>集成</a:t>
+              <a:t>如何集成</a:t>
             </a:r>
             <a:r>
               <a:rPr lang="en-US" altLang="zh-CN" sz="4000" b="1" dirty="0" smtClean="0">
@@ -5595,7 +6598,20 @@
                 <a:latin typeface="华文楷体" pitchFamily="2" charset="-122"/>
                 <a:ea typeface="华文楷体" pitchFamily="2" charset="-122"/>
               </a:rPr>
-              <a:t>(Integration)</a:t>
+              <a:t>(Integration</a:t>
+            </a:r>
+            <a:r>
+              <a:rPr lang="en-US" altLang="zh-CN" sz="4000" b="1" dirty="0" smtClean="0">
+                <a:solidFill>
+                  <a:schemeClr val="tx1">
+                    <a:lumMod val="75000"/>
+                    <a:lumOff val="25000"/>
+                  </a:schemeClr>
+                </a:solidFill>
+                <a:latin typeface="华文楷体" pitchFamily="2" charset="-122"/>
+                <a:ea typeface="华文楷体" pitchFamily="2" charset="-122"/>
+              </a:rPr>
+              <a:t>)</a:t>
             </a:r>
             <a:endParaRPr lang="zh-CN" altLang="en-US" sz="4000" b="1" dirty="0">
               <a:solidFill>
@@ -5619,7 +6635,7 @@
         <p:spPr>
           <a:xfrm>
             <a:off x="714348" y="1500174"/>
-            <a:ext cx="7929618" cy="4031873"/>
+            <a:ext cx="7929618" cy="584775"/>
           </a:xfrm>
           <a:prstGeom prst="rect">
             <a:avLst/>
@@ -5669,7 +6685,20 @@
                 <a:latin typeface="华文楷体" pitchFamily="2" charset="-122"/>
                 <a:ea typeface="华文楷体" pitchFamily="2" charset="-122"/>
               </a:rPr>
-              <a:t>引入依赖</a:t>
+              <a:t>引入</a:t>
+            </a:r>
+            <a:r>
+              <a:rPr lang="zh-CN" altLang="en-US" sz="3200" b="1" dirty="0" smtClean="0">
+                <a:solidFill>
+                  <a:schemeClr val="tx1">
+                    <a:lumMod val="75000"/>
+                    <a:lumOff val="25000"/>
+                  </a:schemeClr>
+                </a:solidFill>
+                <a:latin typeface="华文楷体" pitchFamily="2" charset="-122"/>
+                <a:ea typeface="华文楷体" pitchFamily="2" charset="-122"/>
+              </a:rPr>
+              <a:t>依赖</a:t>
             </a:r>
             <a:endParaRPr lang="en-US" altLang="zh-CN" sz="3200" b="1" dirty="0" smtClean="0">
               <a:solidFill>
@@ -5682,7 +6711,56 @@
               <a:ea typeface="华文楷体" pitchFamily="2" charset="-122"/>
             </a:endParaRPr>
           </a:p>
-          <a:p>
+        </p:txBody>
+      </p:sp>
+      <p:sp>
+        <p:nvSpPr>
+          <p:cNvPr id="4" name="TextBox 3"/>
+          <p:cNvSpPr txBox="1"/>
+          <p:nvPr/>
+        </p:nvSpPr>
+        <p:spPr>
+          <a:xfrm>
+            <a:off x="714348" y="2428868"/>
+            <a:ext cx="7929618" cy="1077218"/>
+          </a:xfrm>
+          <a:prstGeom prst="rect">
+            <a:avLst/>
+          </a:prstGeom>
+          <a:noFill/>
+        </p:spPr>
+        <p:txBody>
+          <a:bodyPr wrap="square" rtlCol="0">
+            <a:spAutoFit/>
+          </a:bodyPr>
+          <a:lstStyle/>
+          <a:p>
+            <a:r>
+              <a:rPr lang="zh-CN" altLang="en-US" sz="3200" b="1" dirty="0" smtClean="0">
+                <a:solidFill>
+                  <a:schemeClr val="tx1">
+                    <a:lumMod val="75000"/>
+                    <a:lumOff val="25000"/>
+                  </a:schemeClr>
+                </a:solidFill>
+                <a:latin typeface="华文楷体" pitchFamily="2" charset="-122"/>
+                <a:ea typeface="华文楷体" pitchFamily="2" charset="-122"/>
+              </a:rPr>
+              <a:t>定义</a:t>
+            </a:r>
+            <a:r>
+              <a:rPr lang="zh-CN" altLang="en-US" sz="3200" b="1" dirty="0" smtClean="0">
+                <a:solidFill>
+                  <a:schemeClr val="tx1">
+                    <a:lumMod val="75000"/>
+                    <a:lumOff val="25000"/>
+                  </a:schemeClr>
+                </a:solidFill>
+                <a:latin typeface="华文楷体" pitchFamily="2" charset="-122"/>
+                <a:ea typeface="华文楷体" pitchFamily="2" charset="-122"/>
+              </a:rPr>
+              <a:t>一个类来继承</a:t>
+            </a:r>
             <a:endParaRPr lang="en-US" altLang="zh-CN" sz="3200" b="1" dirty="0" smtClean="0">
               <a:solidFill>
                 <a:schemeClr val="tx1">
@@ -5696,6 +6774,19 @@
           </a:p>
           <a:p>
             <a:r>
+              <a:rPr lang="en-US" altLang="zh-CN" sz="3200" b="1" dirty="0" smtClean="0">
+                <a:solidFill>
+                  <a:schemeClr val="tx1">
+                    <a:lumMod val="75000"/>
+                    <a:lumOff val="25000"/>
+                  </a:schemeClr>
+                </a:solidFill>
+                <a:latin typeface="华文楷体" pitchFamily="2" charset="-122"/>
+                <a:ea typeface="华文楷体" pitchFamily="2" charset="-122"/>
+              </a:rPr>
+              <a:t>       </a:t>
+            </a:r>
+            <a:r>
               <a:rPr lang="zh-CN" altLang="en-US" sz="3200" b="1" dirty="0" smtClean="0">
                 <a:solidFill>
                   <a:schemeClr val="tx1">
@@ -5706,7 +6797,63 @@
                 <a:latin typeface="华文楷体" pitchFamily="2" charset="-122"/>
                 <a:ea typeface="华文楷体" pitchFamily="2" charset="-122"/>
               </a:rPr>
-              <a:t>定义一个类来继承</a:t>
+              <a:t> </a:t>
+            </a:r>
+            <a:r>
+              <a:rPr lang="en-US" altLang="zh-CN" sz="3200" dirty="0" err="1" smtClean="0"/>
+              <a:t>AbstractSecurityWebApplicationInitializer</a:t>
+            </a:r>
+            <a:endParaRPr lang="en-US" altLang="zh-CN" sz="3200" dirty="0" smtClean="0"/>
+          </a:p>
+        </p:txBody>
+      </p:sp>
+      <p:sp>
+        <p:nvSpPr>
+          <p:cNvPr id="7" name="TextBox 6"/>
+          <p:cNvSpPr txBox="1"/>
+          <p:nvPr/>
+        </p:nvSpPr>
+        <p:spPr>
+          <a:xfrm>
+            <a:off x="714348" y="3788166"/>
+            <a:ext cx="7929618" cy="1569660"/>
+          </a:xfrm>
+          <a:prstGeom prst="rect">
+            <a:avLst/>
+          </a:prstGeom>
+          <a:noFill/>
+        </p:spPr>
+        <p:txBody>
+          <a:bodyPr wrap="square" rtlCol="0">
+            <a:spAutoFit/>
+          </a:bodyPr>
+          <a:lstStyle/>
+          <a:p>
+            <a:r>
+              <a:rPr lang="zh-CN" altLang="en-US" sz="3200" b="1" dirty="0" smtClean="0">
+                <a:solidFill>
+                  <a:schemeClr val="tx1">
+                    <a:lumMod val="75000"/>
+                    <a:lumOff val="25000"/>
+                  </a:schemeClr>
+                </a:solidFill>
+                <a:latin typeface="华文楷体" pitchFamily="2" charset="-122"/>
+                <a:ea typeface="华文楷体" pitchFamily="2" charset="-122"/>
+              </a:rPr>
+              <a:t>定义</a:t>
+            </a:r>
+            <a:r>
+              <a:rPr lang="zh-CN" altLang="en-US" sz="3200" b="1" dirty="0" smtClean="0">
+                <a:solidFill>
+                  <a:schemeClr val="tx1">
+                    <a:lumMod val="75000"/>
+                    <a:lumOff val="25000"/>
+                  </a:schemeClr>
+                </a:solidFill>
+                <a:latin typeface="华文楷体" pitchFamily="2" charset="-122"/>
+                <a:ea typeface="华文楷体" pitchFamily="2" charset="-122"/>
+              </a:rPr>
+              <a:t>一个类来继承</a:t>
             </a:r>
             <a:endParaRPr lang="en-US" altLang="zh-CN" sz="3200" b="1" dirty="0" smtClean="0">
               <a:solidFill>
@@ -5721,76 +6868,6 @@
           </a:p>
           <a:p>
             <a:r>
-              <a:rPr lang="en-US" altLang="zh-CN" sz="3200" b="1" dirty="0" smtClean="0">
-                <a:solidFill>
-                  <a:schemeClr val="tx1">
-                    <a:lumMod val="75000"/>
-                    <a:lumOff val="25000"/>
-                  </a:schemeClr>
-                </a:solidFill>
-                <a:latin typeface="华文楷体" pitchFamily="2" charset="-122"/>
-                <a:ea typeface="华文楷体" pitchFamily="2" charset="-122"/>
-              </a:rPr>
-              <a:t>       </a:t>
-            </a:r>
-            <a:r>
-              <a:rPr lang="zh-CN" altLang="en-US" sz="3200" b="1" dirty="0" smtClean="0">
-                <a:solidFill>
-                  <a:schemeClr val="tx1">
-                    <a:lumMod val="75000"/>
-                    <a:lumOff val="25000"/>
-                  </a:schemeClr>
-                </a:solidFill>
-                <a:latin typeface="华文楷体" pitchFamily="2" charset="-122"/>
-                <a:ea typeface="华文楷体" pitchFamily="2" charset="-122"/>
-              </a:rPr>
-              <a:t> </a:t>
-            </a:r>
-            <a:r>
-              <a:rPr lang="en-US" altLang="zh-CN" sz="3200" dirty="0" err="1" smtClean="0"/>
-              <a:t>AbstractSecurityWebApplicationInitializer</a:t>
-            </a:r>
-            <a:endParaRPr lang="en-US" altLang="zh-CN" sz="3200" dirty="0" smtClean="0"/>
-          </a:p>
-          <a:p>
-            <a:endParaRPr lang="en-US" altLang="zh-CN" sz="3200" b="1" dirty="0" smtClean="0">
-              <a:solidFill>
-                <a:schemeClr val="tx1">
-                  <a:lumMod val="75000"/>
-                  <a:lumOff val="25000"/>
-                </a:schemeClr>
-              </a:solidFill>
-              <a:latin typeface="华文楷体" pitchFamily="2" charset="-122"/>
-              <a:ea typeface="华文楷体" pitchFamily="2" charset="-122"/>
-            </a:endParaRPr>
-          </a:p>
-          <a:p>
-            <a:r>
-              <a:rPr lang="zh-CN" altLang="en-US" sz="3200" b="1" dirty="0" smtClean="0">
-                <a:solidFill>
-                  <a:schemeClr val="tx1">
-                    <a:lumMod val="75000"/>
-                    <a:lumOff val="25000"/>
-                  </a:schemeClr>
-                </a:solidFill>
-                <a:latin typeface="华文楷体" pitchFamily="2" charset="-122"/>
-                <a:ea typeface="华文楷体" pitchFamily="2" charset="-122"/>
-              </a:rPr>
-              <a:t>定义一个类来继承</a:t>
-            </a:r>
-            <a:endParaRPr lang="en-US" altLang="zh-CN" sz="3200" b="1" dirty="0" smtClean="0">
-              <a:solidFill>
-                <a:schemeClr val="tx1">
-                  <a:lumMod val="75000"/>
-                  <a:lumOff val="25000"/>
-                </a:schemeClr>
-              </a:solidFill>
-              <a:latin typeface="华文楷体" pitchFamily="2" charset="-122"/>
-              <a:ea typeface="华文楷体" pitchFamily="2" charset="-122"/>
-            </a:endParaRPr>
-          </a:p>
-          <a:p>
-            <a:r>
               <a:rPr lang="en-US" altLang="zh-CN" sz="3200" dirty="0" smtClean="0"/>
               <a:t>        </a:t>
             </a:r>
@@ -5834,9 +6911,306 @@
   <p:timing>
     <p:tnLst>
       <p:par>
-        <p:cTn id="1" dur="indefinite" restart="never" nodeType="tmRoot"/>
+        <p:cTn id="1" dur="indefinite" restart="never" nodeType="tmRoot">
+          <p:childTnLst>
+            <p:seq concurrent="1" nextAc="seek">
+              <p:cTn id="2" dur="indefinite" nodeType="mainSeq">
+                <p:childTnLst>
+                  <p:par>
+                    <p:cTn id="3" fill="hold">
+                      <p:stCondLst>
+                        <p:cond delay="indefinite"/>
+                      </p:stCondLst>
+                      <p:childTnLst>
+                        <p:par>
+                          <p:cTn id="4" fill="hold">
+                            <p:stCondLst>
+                              <p:cond delay="0"/>
+                            </p:stCondLst>
+                            <p:childTnLst>
+                              <p:par>
+                                <p:cTn id="5" presetID="22" presetClass="entr" presetSubtype="4" fill="hold" grpId="0" nodeType="clickEffect">
+                                  <p:stCondLst>
+                                    <p:cond delay="0"/>
+                                  </p:stCondLst>
+                                  <p:childTnLst>
+                                    <p:set>
+                                      <p:cBhvr>
+                                        <p:cTn id="6" dur="1" fill="hold">
+                                          <p:stCondLst>
+                                            <p:cond delay="0"/>
+                                          </p:stCondLst>
+                                        </p:cTn>
+                                        <p:tgtEl>
+                                          <p:spTgt spid="6">
+                                            <p:txEl>
+                                              <p:pRg st="0" end="0"/>
+                                            </p:txEl>
+                                          </p:spTgt>
+                                        </p:tgtEl>
+                                        <p:attrNameLst>
+                                          <p:attrName>style.visibility</p:attrName>
+                                        </p:attrNameLst>
+                                      </p:cBhvr>
+                                      <p:to>
+                                        <p:strVal val="visible"/>
+                                      </p:to>
+                                    </p:set>
+                                    <p:animEffect transition="in" filter="wipe(down)">
+                                      <p:cBhvr>
+                                        <p:cTn id="7" dur="500"/>
+                                        <p:tgtEl>
+                                          <p:spTgt spid="6">
+                                            <p:txEl>
+                                              <p:pRg st="0" end="0"/>
+                                            </p:txEl>
+                                          </p:spTgt>
+                                        </p:tgtEl>
+                                      </p:cBhvr>
+                                    </p:animEffect>
+                                  </p:childTnLst>
+                                </p:cTn>
+                              </p:par>
+                            </p:childTnLst>
+                          </p:cTn>
+                        </p:par>
+                      </p:childTnLst>
+                    </p:cTn>
+                  </p:par>
+                  <p:par>
+                    <p:cTn id="8" fill="hold">
+                      <p:stCondLst>
+                        <p:cond delay="indefinite"/>
+                      </p:stCondLst>
+                      <p:childTnLst>
+                        <p:par>
+                          <p:cTn id="9" fill="hold">
+                            <p:stCondLst>
+                              <p:cond delay="0"/>
+                            </p:stCondLst>
+                            <p:childTnLst>
+                              <p:par>
+                                <p:cTn id="10" presetID="22" presetClass="entr" presetSubtype="4" fill="hold" grpId="0" nodeType="clickEffect">
+                                  <p:stCondLst>
+                                    <p:cond delay="0"/>
+                                  </p:stCondLst>
+                                  <p:childTnLst>
+                                    <p:set>
+                                      <p:cBhvr>
+                                        <p:cTn id="11" dur="1" fill="hold">
+                                          <p:stCondLst>
+                                            <p:cond delay="0"/>
+                                          </p:stCondLst>
+                                        </p:cTn>
+                                        <p:tgtEl>
+                                          <p:spTgt spid="4">
+                                            <p:txEl>
+                                              <p:pRg st="0" end="0"/>
+                                            </p:txEl>
+                                          </p:spTgt>
+                                        </p:tgtEl>
+                                        <p:attrNameLst>
+                                          <p:attrName>style.visibility</p:attrName>
+                                        </p:attrNameLst>
+                                      </p:cBhvr>
+                                      <p:to>
+                                        <p:strVal val="visible"/>
+                                      </p:to>
+                                    </p:set>
+                                    <p:animEffect transition="in" filter="wipe(down)">
+                                      <p:cBhvr>
+                                        <p:cTn id="12" dur="500"/>
+                                        <p:tgtEl>
+                                          <p:spTgt spid="4">
+                                            <p:txEl>
+                                              <p:pRg st="0" end="0"/>
+                                            </p:txEl>
+                                          </p:spTgt>
+                                        </p:tgtEl>
+                                      </p:cBhvr>
+                                    </p:animEffect>
+                                  </p:childTnLst>
+                                </p:cTn>
+                              </p:par>
+                              <p:par>
+                                <p:cTn id="13" presetID="22" presetClass="entr" presetSubtype="4" fill="hold" grpId="0" nodeType="withEffect">
+                                  <p:stCondLst>
+                                    <p:cond delay="0"/>
+                                  </p:stCondLst>
+                                  <p:childTnLst>
+                                    <p:set>
+                                      <p:cBhvr>
+                                        <p:cTn id="14" dur="1" fill="hold">
+                                          <p:stCondLst>
+                                            <p:cond delay="0"/>
+                                          </p:stCondLst>
+                                        </p:cTn>
+                                        <p:tgtEl>
+                                          <p:spTgt spid="4">
+                                            <p:txEl>
+                                              <p:pRg st="1" end="1"/>
+                                            </p:txEl>
+                                          </p:spTgt>
+                                        </p:tgtEl>
+                                        <p:attrNameLst>
+                                          <p:attrName>style.visibility</p:attrName>
+                                        </p:attrNameLst>
+                                      </p:cBhvr>
+                                      <p:to>
+                                        <p:strVal val="visible"/>
+                                      </p:to>
+                                    </p:set>
+                                    <p:animEffect transition="in" filter="wipe(down)">
+                                      <p:cBhvr>
+                                        <p:cTn id="15" dur="500"/>
+                                        <p:tgtEl>
+                                          <p:spTgt spid="4">
+                                            <p:txEl>
+                                              <p:pRg st="1" end="1"/>
+                                            </p:txEl>
+                                          </p:spTgt>
+                                        </p:tgtEl>
+                                      </p:cBhvr>
+                                    </p:animEffect>
+                                  </p:childTnLst>
+                                </p:cTn>
+                              </p:par>
+                            </p:childTnLst>
+                          </p:cTn>
+                        </p:par>
+                      </p:childTnLst>
+                    </p:cTn>
+                  </p:par>
+                  <p:par>
+                    <p:cTn id="16" fill="hold">
+                      <p:stCondLst>
+                        <p:cond delay="indefinite"/>
+                      </p:stCondLst>
+                      <p:childTnLst>
+                        <p:par>
+                          <p:cTn id="17" fill="hold">
+                            <p:stCondLst>
+                              <p:cond delay="0"/>
+                            </p:stCondLst>
+                            <p:childTnLst>
+                              <p:par>
+                                <p:cTn id="18" presetID="22" presetClass="entr" presetSubtype="4" fill="hold" grpId="0" nodeType="clickEffect">
+                                  <p:stCondLst>
+                                    <p:cond delay="0"/>
+                                  </p:stCondLst>
+                                  <p:childTnLst>
+                                    <p:set>
+                                      <p:cBhvr>
+                                        <p:cTn id="19" dur="1" fill="hold">
+                                          <p:stCondLst>
+                                            <p:cond delay="0"/>
+                                          </p:stCondLst>
+                                        </p:cTn>
+                                        <p:tgtEl>
+                                          <p:spTgt spid="7">
+                                            <p:txEl>
+                                              <p:pRg st="0" end="0"/>
+                                            </p:txEl>
+                                          </p:spTgt>
+                                        </p:tgtEl>
+                                        <p:attrNameLst>
+                                          <p:attrName>style.visibility</p:attrName>
+                                        </p:attrNameLst>
+                                      </p:cBhvr>
+                                      <p:to>
+                                        <p:strVal val="visible"/>
+                                      </p:to>
+                                    </p:set>
+                                    <p:animEffect transition="in" filter="wipe(down)">
+                                      <p:cBhvr>
+                                        <p:cTn id="20" dur="500"/>
+                                        <p:tgtEl>
+                                          <p:spTgt spid="7">
+                                            <p:txEl>
+                                              <p:pRg st="0" end="0"/>
+                                            </p:txEl>
+                                          </p:spTgt>
+                                        </p:tgtEl>
+                                      </p:cBhvr>
+                                    </p:animEffect>
+                                  </p:childTnLst>
+                                </p:cTn>
+                              </p:par>
+                              <p:par>
+                                <p:cTn id="21" presetID="22" presetClass="entr" presetSubtype="4" fill="hold" grpId="0" nodeType="withEffect">
+                                  <p:stCondLst>
+                                    <p:cond delay="0"/>
+                                  </p:stCondLst>
+                                  <p:childTnLst>
+                                    <p:set>
+                                      <p:cBhvr>
+                                        <p:cTn id="22" dur="1" fill="hold">
+                                          <p:stCondLst>
+                                            <p:cond delay="0"/>
+                                          </p:stCondLst>
+                                        </p:cTn>
+                                        <p:tgtEl>
+                                          <p:spTgt spid="7">
+                                            <p:txEl>
+                                              <p:pRg st="1" end="1"/>
+                                            </p:txEl>
+                                          </p:spTgt>
+                                        </p:tgtEl>
+                                        <p:attrNameLst>
+                                          <p:attrName>style.visibility</p:attrName>
+                                        </p:attrNameLst>
+                                      </p:cBhvr>
+                                      <p:to>
+                                        <p:strVal val="visible"/>
+                                      </p:to>
+                                    </p:set>
+                                    <p:animEffect transition="in" filter="wipe(down)">
+                                      <p:cBhvr>
+                                        <p:cTn id="23" dur="500"/>
+                                        <p:tgtEl>
+                                          <p:spTgt spid="7">
+                                            <p:txEl>
+                                              <p:pRg st="1" end="1"/>
+                                            </p:txEl>
+                                          </p:spTgt>
+                                        </p:tgtEl>
+                                      </p:cBhvr>
+                                    </p:animEffect>
+                                  </p:childTnLst>
+                                </p:cTn>
+                              </p:par>
+                            </p:childTnLst>
+                          </p:cTn>
+                        </p:par>
+                      </p:childTnLst>
+                    </p:cTn>
+                  </p:par>
+                </p:childTnLst>
+              </p:cTn>
+              <p:prevCondLst>
+                <p:cond evt="onPrev" delay="0">
+                  <p:tgtEl>
+                    <p:sldTgt/>
+                  </p:tgtEl>
+                </p:cond>
+              </p:prevCondLst>
+              <p:nextCondLst>
+                <p:cond evt="onNext" delay="0">
+                  <p:tgtEl>
+                    <p:sldTgt/>
+                  </p:tgtEl>
+                </p:cond>
+              </p:nextCondLst>
+            </p:seq>
+          </p:childTnLst>
+        </p:cTn>
       </p:par>
     </p:tnLst>
+    <p:bldLst>
+      <p:bldP spid="6" grpId="0" build="allAtOnce"/>
+      <p:bldP spid="4" grpId="0" build="allAtOnce"/>
+      <p:bldP spid="7" grpId="0" build="allAtOnce"/>
+    </p:bldLst>
   </p:timing>
 </p:sld>
 </file>
@@ -6243,9 +7617,459 @@
   <p:timing>
     <p:tnLst>
       <p:par>
-        <p:cTn id="1" dur="indefinite" restart="never" nodeType="tmRoot"/>
+        <p:cTn id="1" dur="indefinite" restart="never" nodeType="tmRoot">
+          <p:childTnLst>
+            <p:seq concurrent="1" nextAc="seek">
+              <p:cTn id="2" dur="indefinite" nodeType="mainSeq">
+                <p:childTnLst>
+                  <p:par>
+                    <p:cTn id="3" fill="hold">
+                      <p:stCondLst>
+                        <p:cond delay="indefinite"/>
+                      </p:stCondLst>
+                      <p:childTnLst>
+                        <p:par>
+                          <p:cTn id="4" fill="hold">
+                            <p:stCondLst>
+                              <p:cond delay="0"/>
+                            </p:stCondLst>
+                            <p:childTnLst>
+                              <p:par>
+                                <p:cTn id="5" presetID="22" presetClass="entr" presetSubtype="4" fill="hold" grpId="0" nodeType="clickEffect">
+                                  <p:stCondLst>
+                                    <p:cond delay="0"/>
+                                  </p:stCondLst>
+                                  <p:childTnLst>
+                                    <p:set>
+                                      <p:cBhvr>
+                                        <p:cTn id="6" dur="1" fill="hold">
+                                          <p:stCondLst>
+                                            <p:cond delay="0"/>
+                                          </p:stCondLst>
+                                        </p:cTn>
+                                        <p:tgtEl>
+                                          <p:spTgt spid="6">
+                                            <p:txEl>
+                                              <p:pRg st="0" end="0"/>
+                                            </p:txEl>
+                                          </p:spTgt>
+                                        </p:tgtEl>
+                                        <p:attrNameLst>
+                                          <p:attrName>style.visibility</p:attrName>
+                                        </p:attrNameLst>
+                                      </p:cBhvr>
+                                      <p:to>
+                                        <p:strVal val="visible"/>
+                                      </p:to>
+                                    </p:set>
+                                    <p:animEffect transition="in" filter="wipe(down)">
+                                      <p:cBhvr>
+                                        <p:cTn id="7" dur="500"/>
+                                        <p:tgtEl>
+                                          <p:spTgt spid="6">
+                                            <p:txEl>
+                                              <p:pRg st="0" end="0"/>
+                                            </p:txEl>
+                                          </p:spTgt>
+                                        </p:tgtEl>
+                                      </p:cBhvr>
+                                    </p:animEffect>
+                                  </p:childTnLst>
+                                </p:cTn>
+                              </p:par>
+                              <p:par>
+                                <p:cTn id="8" presetID="22" presetClass="entr" presetSubtype="4" fill="hold" grpId="0" nodeType="withEffect">
+                                  <p:stCondLst>
+                                    <p:cond delay="0"/>
+                                  </p:stCondLst>
+                                  <p:childTnLst>
+                                    <p:set>
+                                      <p:cBhvr>
+                                        <p:cTn id="9" dur="1" fill="hold">
+                                          <p:stCondLst>
+                                            <p:cond delay="0"/>
+                                          </p:stCondLst>
+                                        </p:cTn>
+                                        <p:tgtEl>
+                                          <p:spTgt spid="6">
+                                            <p:txEl>
+                                              <p:pRg st="1" end="1"/>
+                                            </p:txEl>
+                                          </p:spTgt>
+                                        </p:tgtEl>
+                                        <p:attrNameLst>
+                                          <p:attrName>style.visibility</p:attrName>
+                                        </p:attrNameLst>
+                                      </p:cBhvr>
+                                      <p:to>
+                                        <p:strVal val="visible"/>
+                                      </p:to>
+                                    </p:set>
+                                    <p:animEffect transition="in" filter="wipe(down)">
+                                      <p:cBhvr>
+                                        <p:cTn id="10" dur="500"/>
+                                        <p:tgtEl>
+                                          <p:spTgt spid="6">
+                                            <p:txEl>
+                                              <p:pRg st="1" end="1"/>
+                                            </p:txEl>
+                                          </p:spTgt>
+                                        </p:tgtEl>
+                                      </p:cBhvr>
+                                    </p:animEffect>
+                                  </p:childTnLst>
+                                </p:cTn>
+                              </p:par>
+                              <p:par>
+                                <p:cTn id="11" presetID="22" presetClass="entr" presetSubtype="4" fill="hold" grpId="0" nodeType="withEffect">
+                                  <p:stCondLst>
+                                    <p:cond delay="0"/>
+                                  </p:stCondLst>
+                                  <p:childTnLst>
+                                    <p:set>
+                                      <p:cBhvr>
+                                        <p:cTn id="12" dur="1" fill="hold">
+                                          <p:stCondLst>
+                                            <p:cond delay="0"/>
+                                          </p:stCondLst>
+                                        </p:cTn>
+                                        <p:tgtEl>
+                                          <p:spTgt spid="6">
+                                            <p:txEl>
+                                              <p:pRg st="2" end="2"/>
+                                            </p:txEl>
+                                          </p:spTgt>
+                                        </p:tgtEl>
+                                        <p:attrNameLst>
+                                          <p:attrName>style.visibility</p:attrName>
+                                        </p:attrNameLst>
+                                      </p:cBhvr>
+                                      <p:to>
+                                        <p:strVal val="visible"/>
+                                      </p:to>
+                                    </p:set>
+                                    <p:animEffect transition="in" filter="wipe(down)">
+                                      <p:cBhvr>
+                                        <p:cTn id="13" dur="500"/>
+                                        <p:tgtEl>
+                                          <p:spTgt spid="6">
+                                            <p:txEl>
+                                              <p:pRg st="2" end="2"/>
+                                            </p:txEl>
+                                          </p:spTgt>
+                                        </p:tgtEl>
+                                      </p:cBhvr>
+                                    </p:animEffect>
+                                  </p:childTnLst>
+                                </p:cTn>
+                              </p:par>
+                              <p:par>
+                                <p:cTn id="14" presetID="22" presetClass="entr" presetSubtype="4" fill="hold" grpId="0" nodeType="withEffect">
+                                  <p:stCondLst>
+                                    <p:cond delay="0"/>
+                                  </p:stCondLst>
+                                  <p:childTnLst>
+                                    <p:set>
+                                      <p:cBhvr>
+                                        <p:cTn id="15" dur="1" fill="hold">
+                                          <p:stCondLst>
+                                            <p:cond delay="0"/>
+                                          </p:stCondLst>
+                                        </p:cTn>
+                                        <p:tgtEl>
+                                          <p:spTgt spid="6">
+                                            <p:txEl>
+                                              <p:pRg st="3" end="3"/>
+                                            </p:txEl>
+                                          </p:spTgt>
+                                        </p:tgtEl>
+                                        <p:attrNameLst>
+                                          <p:attrName>style.visibility</p:attrName>
+                                        </p:attrNameLst>
+                                      </p:cBhvr>
+                                      <p:to>
+                                        <p:strVal val="visible"/>
+                                      </p:to>
+                                    </p:set>
+                                    <p:animEffect transition="in" filter="wipe(down)">
+                                      <p:cBhvr>
+                                        <p:cTn id="16" dur="500"/>
+                                        <p:tgtEl>
+                                          <p:spTgt spid="6">
+                                            <p:txEl>
+                                              <p:pRg st="3" end="3"/>
+                                            </p:txEl>
+                                          </p:spTgt>
+                                        </p:tgtEl>
+                                      </p:cBhvr>
+                                    </p:animEffect>
+                                  </p:childTnLst>
+                                </p:cTn>
+                              </p:par>
+                              <p:par>
+                                <p:cTn id="17" presetID="22" presetClass="entr" presetSubtype="4" fill="hold" grpId="0" nodeType="withEffect">
+                                  <p:stCondLst>
+                                    <p:cond delay="0"/>
+                                  </p:stCondLst>
+                                  <p:childTnLst>
+                                    <p:set>
+                                      <p:cBhvr>
+                                        <p:cTn id="18" dur="1" fill="hold">
+                                          <p:stCondLst>
+                                            <p:cond delay="0"/>
+                                          </p:stCondLst>
+                                        </p:cTn>
+                                        <p:tgtEl>
+                                          <p:spTgt spid="6">
+                                            <p:txEl>
+                                              <p:pRg st="4" end="4"/>
+                                            </p:txEl>
+                                          </p:spTgt>
+                                        </p:tgtEl>
+                                        <p:attrNameLst>
+                                          <p:attrName>style.visibility</p:attrName>
+                                        </p:attrNameLst>
+                                      </p:cBhvr>
+                                      <p:to>
+                                        <p:strVal val="visible"/>
+                                      </p:to>
+                                    </p:set>
+                                    <p:animEffect transition="in" filter="wipe(down)">
+                                      <p:cBhvr>
+                                        <p:cTn id="19" dur="500"/>
+                                        <p:tgtEl>
+                                          <p:spTgt spid="6">
+                                            <p:txEl>
+                                              <p:pRg st="4" end="4"/>
+                                            </p:txEl>
+                                          </p:spTgt>
+                                        </p:tgtEl>
+                                      </p:cBhvr>
+                                    </p:animEffect>
+                                  </p:childTnLst>
+                                </p:cTn>
+                              </p:par>
+                              <p:par>
+                                <p:cTn id="20" presetID="22" presetClass="entr" presetSubtype="4" fill="hold" grpId="0" nodeType="withEffect">
+                                  <p:stCondLst>
+                                    <p:cond delay="0"/>
+                                  </p:stCondLst>
+                                  <p:childTnLst>
+                                    <p:set>
+                                      <p:cBhvr>
+                                        <p:cTn id="21" dur="1" fill="hold">
+                                          <p:stCondLst>
+                                            <p:cond delay="0"/>
+                                          </p:stCondLst>
+                                        </p:cTn>
+                                        <p:tgtEl>
+                                          <p:spTgt spid="6">
+                                            <p:txEl>
+                                              <p:pRg st="5" end="5"/>
+                                            </p:txEl>
+                                          </p:spTgt>
+                                        </p:tgtEl>
+                                        <p:attrNameLst>
+                                          <p:attrName>style.visibility</p:attrName>
+                                        </p:attrNameLst>
+                                      </p:cBhvr>
+                                      <p:to>
+                                        <p:strVal val="visible"/>
+                                      </p:to>
+                                    </p:set>
+                                    <p:animEffect transition="in" filter="wipe(down)">
+                                      <p:cBhvr>
+                                        <p:cTn id="22" dur="500"/>
+                                        <p:tgtEl>
+                                          <p:spTgt spid="6">
+                                            <p:txEl>
+                                              <p:pRg st="5" end="5"/>
+                                            </p:txEl>
+                                          </p:spTgt>
+                                        </p:tgtEl>
+                                      </p:cBhvr>
+                                    </p:animEffect>
+                                  </p:childTnLst>
+                                </p:cTn>
+                              </p:par>
+                              <p:par>
+                                <p:cTn id="23" presetID="22" presetClass="entr" presetSubtype="4" fill="hold" grpId="0" nodeType="withEffect">
+                                  <p:stCondLst>
+                                    <p:cond delay="0"/>
+                                  </p:stCondLst>
+                                  <p:childTnLst>
+                                    <p:set>
+                                      <p:cBhvr>
+                                        <p:cTn id="24" dur="1" fill="hold">
+                                          <p:stCondLst>
+                                            <p:cond delay="0"/>
+                                          </p:stCondLst>
+                                        </p:cTn>
+                                        <p:tgtEl>
+                                          <p:spTgt spid="6">
+                                            <p:txEl>
+                                              <p:pRg st="6" end="6"/>
+                                            </p:txEl>
+                                          </p:spTgt>
+                                        </p:tgtEl>
+                                        <p:attrNameLst>
+                                          <p:attrName>style.visibility</p:attrName>
+                                        </p:attrNameLst>
+                                      </p:cBhvr>
+                                      <p:to>
+                                        <p:strVal val="visible"/>
+                                      </p:to>
+                                    </p:set>
+                                    <p:animEffect transition="in" filter="wipe(down)">
+                                      <p:cBhvr>
+                                        <p:cTn id="25" dur="500"/>
+                                        <p:tgtEl>
+                                          <p:spTgt spid="6">
+                                            <p:txEl>
+                                              <p:pRg st="6" end="6"/>
+                                            </p:txEl>
+                                          </p:spTgt>
+                                        </p:tgtEl>
+                                      </p:cBhvr>
+                                    </p:animEffect>
+                                  </p:childTnLst>
+                                </p:cTn>
+                              </p:par>
+                              <p:par>
+                                <p:cTn id="26" presetID="22" presetClass="entr" presetSubtype="4" fill="hold" grpId="0" nodeType="withEffect">
+                                  <p:stCondLst>
+                                    <p:cond delay="0"/>
+                                  </p:stCondLst>
+                                  <p:childTnLst>
+                                    <p:set>
+                                      <p:cBhvr>
+                                        <p:cTn id="27" dur="1" fill="hold">
+                                          <p:stCondLst>
+                                            <p:cond delay="0"/>
+                                          </p:stCondLst>
+                                        </p:cTn>
+                                        <p:tgtEl>
+                                          <p:spTgt spid="6">
+                                            <p:txEl>
+                                              <p:pRg st="7" end="7"/>
+                                            </p:txEl>
+                                          </p:spTgt>
+                                        </p:tgtEl>
+                                        <p:attrNameLst>
+                                          <p:attrName>style.visibility</p:attrName>
+                                        </p:attrNameLst>
+                                      </p:cBhvr>
+                                      <p:to>
+                                        <p:strVal val="visible"/>
+                                      </p:to>
+                                    </p:set>
+                                    <p:animEffect transition="in" filter="wipe(down)">
+                                      <p:cBhvr>
+                                        <p:cTn id="28" dur="500"/>
+                                        <p:tgtEl>
+                                          <p:spTgt spid="6">
+                                            <p:txEl>
+                                              <p:pRg st="7" end="7"/>
+                                            </p:txEl>
+                                          </p:spTgt>
+                                        </p:tgtEl>
+                                      </p:cBhvr>
+                                    </p:animEffect>
+                                  </p:childTnLst>
+                                </p:cTn>
+                              </p:par>
+                            </p:childTnLst>
+                          </p:cTn>
+                        </p:par>
+                      </p:childTnLst>
+                    </p:cTn>
+                  </p:par>
+                  <p:par>
+                    <p:cTn id="29" fill="hold">
+                      <p:stCondLst>
+                        <p:cond delay="indefinite"/>
+                      </p:stCondLst>
+                      <p:childTnLst>
+                        <p:par>
+                          <p:cTn id="30" fill="hold">
+                            <p:stCondLst>
+                              <p:cond delay="0"/>
+                            </p:stCondLst>
+                            <p:childTnLst>
+                              <p:par>
+                                <p:cTn id="31" presetID="22" presetClass="entr" presetSubtype="4" fill="hold" grpId="0" nodeType="clickEffect">
+                                  <p:stCondLst>
+                                    <p:cond delay="0"/>
+                                  </p:stCondLst>
+                                  <p:childTnLst>
+                                    <p:set>
+                                      <p:cBhvr>
+                                        <p:cTn id="32" dur="1" fill="hold">
+                                          <p:stCondLst>
+                                            <p:cond delay="0"/>
+                                          </p:stCondLst>
+                                        </p:cTn>
+                                        <p:tgtEl>
+                                          <p:spTgt spid="4">
+                                            <p:txEl>
+                                              <p:pRg st="0" end="0"/>
+                                            </p:txEl>
+                                          </p:spTgt>
+                                        </p:tgtEl>
+                                        <p:attrNameLst>
+                                          <p:attrName>style.visibility</p:attrName>
+                                        </p:attrNameLst>
+                                      </p:cBhvr>
+                                      <p:to>
+                                        <p:strVal val="visible"/>
+                                      </p:to>
+                                    </p:set>
+                                    <p:animEffect transition="in" filter="wipe(down)">
+                                      <p:cBhvr>
+                                        <p:cTn id="33" dur="500"/>
+                                        <p:tgtEl>
+                                          <p:spTgt spid="4">
+                                            <p:txEl>
+                                              <p:pRg st="0" end="0"/>
+                                            </p:txEl>
+                                          </p:spTgt>
+                                        </p:tgtEl>
+                                      </p:cBhvr>
+                                    </p:animEffect>
+                                  </p:childTnLst>
+                                </p:cTn>
+                              </p:par>
+                            </p:childTnLst>
+                          </p:cTn>
+                        </p:par>
+                      </p:childTnLst>
+                    </p:cTn>
+                  </p:par>
+                </p:childTnLst>
+              </p:cTn>
+              <p:prevCondLst>
+                <p:cond evt="onPrev" delay="0">
+                  <p:tgtEl>
+                    <p:sldTgt/>
+                  </p:tgtEl>
+                </p:cond>
+              </p:prevCondLst>
+              <p:nextCondLst>
+                <p:cond evt="onNext" delay="0">
+                  <p:tgtEl>
+                    <p:sldTgt/>
+                  </p:tgtEl>
+                </p:cond>
+              </p:nextCondLst>
+            </p:seq>
+          </p:childTnLst>
+        </p:cTn>
       </p:par>
     </p:tnLst>
+    <p:bldLst>
+      <p:bldP spid="6" grpId="0" build="allAtOnce"/>
+      <p:bldP spid="4" grpId="0" build="allAtOnce"/>
+    </p:bldLst>
   </p:timing>
 </p:sld>
 </file>
@@ -6337,7 +8161,7 @@
         <p:spPr>
           <a:xfrm>
             <a:off x="714348" y="1500174"/>
-            <a:ext cx="7929618" cy="2554545"/>
+            <a:ext cx="7929618" cy="1569660"/>
           </a:xfrm>
           <a:prstGeom prst="rect">
             <a:avLst/>
@@ -6427,7 +8251,20 @@
                 <a:latin typeface="华文楷体" pitchFamily="2" charset="-122"/>
                 <a:ea typeface="华文楷体" pitchFamily="2" charset="-122"/>
               </a:rPr>
-              <a:t>，接口，负责加载用户</a:t>
+              <a:t>，接口，负责加载</a:t>
+            </a:r>
+            <a:r>
+              <a:rPr lang="zh-CN" altLang="en-US" sz="3200" b="1" dirty="0" smtClean="0">
+                <a:solidFill>
+                  <a:schemeClr val="tx1">
+                    <a:lumMod val="75000"/>
+                    <a:lumOff val="25000"/>
+                  </a:schemeClr>
+                </a:solidFill>
+                <a:latin typeface="华文楷体" pitchFamily="2" charset="-122"/>
+                <a:ea typeface="华文楷体" pitchFamily="2" charset="-122"/>
+              </a:rPr>
+              <a:t>用户</a:t>
             </a:r>
             <a:endParaRPr lang="en-US" altLang="zh-CN" sz="3200" b="1" dirty="0" smtClean="0">
               <a:solidFill>
@@ -6440,6 +8277,29 @@
               <a:ea typeface="华文楷体" pitchFamily="2" charset="-122"/>
             </a:endParaRPr>
           </a:p>
+        </p:txBody>
+      </p:sp>
+      <p:sp>
+        <p:nvSpPr>
+          <p:cNvPr id="4" name="TextBox 3"/>
+          <p:cNvSpPr txBox="1"/>
+          <p:nvPr/>
+        </p:nvSpPr>
+        <p:spPr>
+          <a:xfrm>
+            <a:off x="714348" y="3231909"/>
+            <a:ext cx="7929618" cy="584775"/>
+          </a:xfrm>
+          <a:prstGeom prst="rect">
+            <a:avLst/>
+          </a:prstGeom>
+          <a:noFill/>
+        </p:spPr>
+        <p:txBody>
+          <a:bodyPr wrap="square" rtlCol="0">
+            <a:spAutoFit/>
+          </a:bodyPr>
+          <a:lstStyle/>
           <a:p>
             <a:r>
               <a:rPr lang="en-US" altLang="zh-CN" sz="3200" dirty="0" err="1" smtClean="0"/>
@@ -6460,7 +8320,20 @@
                 <a:latin typeface="华文楷体" pitchFamily="2" charset="-122"/>
                 <a:ea typeface="华文楷体" pitchFamily="2" charset="-122"/>
               </a:rPr>
-              <a:t>，接口，负责密码加密</a:t>
+              <a:t>，接口，负责密码</a:t>
+            </a:r>
+            <a:r>
+              <a:rPr lang="zh-CN" altLang="en-US" sz="3200" b="1" dirty="0" smtClean="0">
+                <a:solidFill>
+                  <a:schemeClr val="tx1">
+                    <a:lumMod val="75000"/>
+                    <a:lumOff val="25000"/>
+                  </a:schemeClr>
+                </a:solidFill>
+                <a:latin typeface="华文楷体" pitchFamily="2" charset="-122"/>
+                <a:ea typeface="华文楷体" pitchFamily="2" charset="-122"/>
+              </a:rPr>
+              <a:t>加密</a:t>
             </a:r>
             <a:endParaRPr lang="en-US" altLang="zh-CN" sz="3200" b="1" dirty="0" smtClean="0">
               <a:solidFill>
@@ -6473,6 +8346,29 @@
               <a:ea typeface="华文楷体" pitchFamily="2" charset="-122"/>
             </a:endParaRPr>
           </a:p>
+        </p:txBody>
+      </p:sp>
+      <p:sp>
+        <p:nvSpPr>
+          <p:cNvPr id="7" name="TextBox 6"/>
+          <p:cNvSpPr txBox="1"/>
+          <p:nvPr/>
+        </p:nvSpPr>
+        <p:spPr>
+          <a:xfrm>
+            <a:off x="714348" y="4209170"/>
+            <a:ext cx="7929618" cy="1077218"/>
+          </a:xfrm>
+          <a:prstGeom prst="rect">
+            <a:avLst/>
+          </a:prstGeom>
+          <a:noFill/>
+        </p:spPr>
+        <p:txBody>
+          <a:bodyPr wrap="square" rtlCol="0">
+            <a:spAutoFit/>
+          </a:bodyPr>
+          <a:lstStyle/>
           <a:p>
             <a:r>
               <a:rPr lang="zh-CN" altLang="en-US" sz="3200" b="1" dirty="0" smtClean="0">
@@ -6485,7 +8381,20 @@
                 <a:latin typeface="华文楷体" pitchFamily="2" charset="-122"/>
                 <a:ea typeface="华文楷体" pitchFamily="2" charset="-122"/>
               </a:rPr>
-              <a:t>这些内容只在登陆（认证）的时候使用</a:t>
+              <a:t>注意：这些</a:t>
+            </a:r>
+            <a:r>
+              <a:rPr lang="zh-CN" altLang="en-US" sz="3200" b="1" dirty="0" smtClean="0">
+                <a:solidFill>
+                  <a:schemeClr val="tx1">
+                    <a:lumMod val="75000"/>
+                    <a:lumOff val="25000"/>
+                  </a:schemeClr>
+                </a:solidFill>
+                <a:latin typeface="华文楷体" pitchFamily="2" charset="-122"/>
+                <a:ea typeface="华文楷体" pitchFamily="2" charset="-122"/>
+              </a:rPr>
+              <a:t>内容只在登陆（认证）的时候使用</a:t>
             </a:r>
             <a:endParaRPr lang="en-US" altLang="zh-CN" sz="3200" b="1" dirty="0" smtClean="0">
               <a:solidFill>
@@ -6508,9 +8417,306 @@
   <p:timing>
     <p:tnLst>
       <p:par>
-        <p:cTn id="1" dur="indefinite" restart="never" nodeType="tmRoot"/>
+        <p:cTn id="1" dur="indefinite" restart="never" nodeType="tmRoot">
+          <p:childTnLst>
+            <p:seq concurrent="1" nextAc="seek">
+              <p:cTn id="2" dur="indefinite" nodeType="mainSeq">
+                <p:childTnLst>
+                  <p:par>
+                    <p:cTn id="3" fill="hold">
+                      <p:stCondLst>
+                        <p:cond delay="indefinite"/>
+                      </p:stCondLst>
+                      <p:childTnLst>
+                        <p:par>
+                          <p:cTn id="4" fill="hold">
+                            <p:stCondLst>
+                              <p:cond delay="0"/>
+                            </p:stCondLst>
+                            <p:childTnLst>
+                              <p:par>
+                                <p:cTn id="5" presetID="22" presetClass="entr" presetSubtype="4" fill="hold" grpId="0" nodeType="clickEffect">
+                                  <p:stCondLst>
+                                    <p:cond delay="0"/>
+                                  </p:stCondLst>
+                                  <p:childTnLst>
+                                    <p:set>
+                                      <p:cBhvr>
+                                        <p:cTn id="6" dur="1" fill="hold">
+                                          <p:stCondLst>
+                                            <p:cond delay="0"/>
+                                          </p:stCondLst>
+                                        </p:cTn>
+                                        <p:tgtEl>
+                                          <p:spTgt spid="6">
+                                            <p:txEl>
+                                              <p:pRg st="0" end="0"/>
+                                            </p:txEl>
+                                          </p:spTgt>
+                                        </p:tgtEl>
+                                        <p:attrNameLst>
+                                          <p:attrName>style.visibility</p:attrName>
+                                        </p:attrNameLst>
+                                      </p:cBhvr>
+                                      <p:to>
+                                        <p:strVal val="visible"/>
+                                      </p:to>
+                                    </p:set>
+                                    <p:animEffect transition="in" filter="wipe(down)">
+                                      <p:cBhvr>
+                                        <p:cTn id="7" dur="500"/>
+                                        <p:tgtEl>
+                                          <p:spTgt spid="6">
+                                            <p:txEl>
+                                              <p:pRg st="0" end="0"/>
+                                            </p:txEl>
+                                          </p:spTgt>
+                                        </p:tgtEl>
+                                      </p:cBhvr>
+                                    </p:animEffect>
+                                  </p:childTnLst>
+                                </p:cTn>
+                              </p:par>
+                              <p:par>
+                                <p:cTn id="8" presetID="22" presetClass="entr" presetSubtype="4" fill="hold" grpId="0" nodeType="withEffect">
+                                  <p:stCondLst>
+                                    <p:cond delay="0"/>
+                                  </p:stCondLst>
+                                  <p:childTnLst>
+                                    <p:set>
+                                      <p:cBhvr>
+                                        <p:cTn id="9" dur="1" fill="hold">
+                                          <p:stCondLst>
+                                            <p:cond delay="0"/>
+                                          </p:stCondLst>
+                                        </p:cTn>
+                                        <p:tgtEl>
+                                          <p:spTgt spid="6">
+                                            <p:txEl>
+                                              <p:pRg st="1" end="1"/>
+                                            </p:txEl>
+                                          </p:spTgt>
+                                        </p:tgtEl>
+                                        <p:attrNameLst>
+                                          <p:attrName>style.visibility</p:attrName>
+                                        </p:attrNameLst>
+                                      </p:cBhvr>
+                                      <p:to>
+                                        <p:strVal val="visible"/>
+                                      </p:to>
+                                    </p:set>
+                                    <p:animEffect transition="in" filter="wipe(down)">
+                                      <p:cBhvr>
+                                        <p:cTn id="10" dur="500"/>
+                                        <p:tgtEl>
+                                          <p:spTgt spid="6">
+                                            <p:txEl>
+                                              <p:pRg st="1" end="1"/>
+                                            </p:txEl>
+                                          </p:spTgt>
+                                        </p:tgtEl>
+                                      </p:cBhvr>
+                                    </p:animEffect>
+                                  </p:childTnLst>
+                                </p:cTn>
+                              </p:par>
+                              <p:par>
+                                <p:cTn id="11" presetID="22" presetClass="entr" presetSubtype="4" fill="hold" grpId="0" nodeType="withEffect">
+                                  <p:stCondLst>
+                                    <p:cond delay="0"/>
+                                  </p:stCondLst>
+                                  <p:childTnLst>
+                                    <p:set>
+                                      <p:cBhvr>
+                                        <p:cTn id="12" dur="1" fill="hold">
+                                          <p:stCondLst>
+                                            <p:cond delay="0"/>
+                                          </p:stCondLst>
+                                        </p:cTn>
+                                        <p:tgtEl>
+                                          <p:spTgt spid="6">
+                                            <p:txEl>
+                                              <p:pRg st="2" end="2"/>
+                                            </p:txEl>
+                                          </p:spTgt>
+                                        </p:tgtEl>
+                                        <p:attrNameLst>
+                                          <p:attrName>style.visibility</p:attrName>
+                                        </p:attrNameLst>
+                                      </p:cBhvr>
+                                      <p:to>
+                                        <p:strVal val="visible"/>
+                                      </p:to>
+                                    </p:set>
+                                    <p:animEffect transition="in" filter="wipe(down)">
+                                      <p:cBhvr>
+                                        <p:cTn id="13" dur="500"/>
+                                        <p:tgtEl>
+                                          <p:spTgt spid="6">
+                                            <p:txEl>
+                                              <p:pRg st="2" end="2"/>
+                                            </p:txEl>
+                                          </p:spTgt>
+                                        </p:tgtEl>
+                                      </p:cBhvr>
+                                    </p:animEffect>
+                                  </p:childTnLst>
+                                </p:cTn>
+                              </p:par>
+                            </p:childTnLst>
+                          </p:cTn>
+                        </p:par>
+                      </p:childTnLst>
+                    </p:cTn>
+                  </p:par>
+                  <p:par>
+                    <p:cTn id="14" fill="hold">
+                      <p:stCondLst>
+                        <p:cond delay="indefinite"/>
+                      </p:stCondLst>
+                      <p:childTnLst>
+                        <p:par>
+                          <p:cTn id="15" fill="hold">
+                            <p:stCondLst>
+                              <p:cond delay="0"/>
+                            </p:stCondLst>
+                            <p:childTnLst>
+                              <p:par>
+                                <p:cTn id="16" presetID="22" presetClass="entr" presetSubtype="4" fill="hold" grpId="0" nodeType="clickEffect">
+                                  <p:stCondLst>
+                                    <p:cond delay="0"/>
+                                  </p:stCondLst>
+                                  <p:childTnLst>
+                                    <p:set>
+                                      <p:cBhvr>
+                                        <p:cTn id="17" dur="1" fill="hold">
+                                          <p:stCondLst>
+                                            <p:cond delay="0"/>
+                                          </p:stCondLst>
+                                        </p:cTn>
+                                        <p:tgtEl>
+                                          <p:spTgt spid="4">
+                                            <p:txEl>
+                                              <p:pRg st="0" end="0"/>
+                                            </p:txEl>
+                                          </p:spTgt>
+                                        </p:tgtEl>
+                                        <p:attrNameLst>
+                                          <p:attrName>style.visibility</p:attrName>
+                                        </p:attrNameLst>
+                                      </p:cBhvr>
+                                      <p:to>
+                                        <p:strVal val="visible"/>
+                                      </p:to>
+                                    </p:set>
+                                    <p:animEffect transition="in" filter="wipe(down)">
+                                      <p:cBhvr>
+                                        <p:cTn id="18" dur="500"/>
+                                        <p:tgtEl>
+                                          <p:spTgt spid="4">
+                                            <p:txEl>
+                                              <p:pRg st="0" end="0"/>
+                                            </p:txEl>
+                                          </p:spTgt>
+                                        </p:tgtEl>
+                                      </p:cBhvr>
+                                    </p:animEffect>
+                                  </p:childTnLst>
+                                </p:cTn>
+                              </p:par>
+                            </p:childTnLst>
+                          </p:cTn>
+                        </p:par>
+                      </p:childTnLst>
+                    </p:cTn>
+                  </p:par>
+                  <p:par>
+                    <p:cTn id="19" fill="hold">
+                      <p:stCondLst>
+                        <p:cond delay="indefinite"/>
+                      </p:stCondLst>
+                      <p:childTnLst>
+                        <p:par>
+                          <p:cTn id="20" fill="hold">
+                            <p:stCondLst>
+                              <p:cond delay="0"/>
+                            </p:stCondLst>
+                            <p:childTnLst>
+                              <p:par>
+                                <p:cTn id="21" presetID="22" presetClass="entr" presetSubtype="4" fill="hold" grpId="0" nodeType="clickEffect">
+                                  <p:stCondLst>
+                                    <p:cond delay="0"/>
+                                  </p:stCondLst>
+                                  <p:childTnLst>
+                                    <p:set>
+                                      <p:cBhvr>
+                                        <p:cTn id="22" dur="1" fill="hold">
+                                          <p:stCondLst>
+                                            <p:cond delay="0"/>
+                                          </p:stCondLst>
+                                        </p:cTn>
+                                        <p:tgtEl>
+                                          <p:spTgt spid="7">
+                                            <p:txEl>
+                                              <p:pRg st="0" end="0"/>
+                                            </p:txEl>
+                                          </p:spTgt>
+                                        </p:tgtEl>
+                                        <p:attrNameLst>
+                                          <p:attrName>style.visibility</p:attrName>
+                                        </p:attrNameLst>
+                                      </p:cBhvr>
+                                      <p:to>
+                                        <p:strVal val="visible"/>
+                                      </p:to>
+                                    </p:set>
+                                    <p:animEffect transition="in" filter="wipe(down)">
+                                      <p:cBhvr>
+                                        <p:cTn id="23" dur="500"/>
+                                        <p:tgtEl>
+                                          <p:spTgt spid="7">
+                                            <p:txEl>
+                                              <p:pRg st="0" end="0"/>
+                                            </p:txEl>
+                                          </p:spTgt>
+                                        </p:tgtEl>
+                                      </p:cBhvr>
+                                    </p:animEffect>
+                                  </p:childTnLst>
+                                </p:cTn>
+                              </p:par>
+                            </p:childTnLst>
+                          </p:cTn>
+                        </p:par>
+                      </p:childTnLst>
+                    </p:cTn>
+                  </p:par>
+                </p:childTnLst>
+              </p:cTn>
+              <p:prevCondLst>
+                <p:cond evt="onPrev" delay="0">
+                  <p:tgtEl>
+                    <p:sldTgt/>
+                  </p:tgtEl>
+                </p:cond>
+              </p:prevCondLst>
+              <p:nextCondLst>
+                <p:cond evt="onNext" delay="0">
+                  <p:tgtEl>
+                    <p:sldTgt/>
+                  </p:tgtEl>
+                </p:cond>
+              </p:nextCondLst>
+            </p:seq>
+          </p:childTnLst>
+        </p:cTn>
       </p:par>
     </p:tnLst>
+    <p:bldLst>
+      <p:bldP spid="6" grpId="0" build="allAtOnce"/>
+      <p:bldP spid="4" grpId="0" build="allAtOnce"/>
+      <p:bldP spid="7" grpId="0" build="allAtOnce"/>
+    </p:bldLst>
   </p:timing>
 </p:sld>
 </file>
@@ -6602,7 +8808,7 @@
         <p:spPr>
           <a:xfrm>
             <a:off x="714348" y="1500174"/>
-            <a:ext cx="7929618" cy="2062103"/>
+            <a:ext cx="7929618" cy="1569660"/>
           </a:xfrm>
           <a:prstGeom prst="rect">
             <a:avLst/>
@@ -6643,7 +8849,46 @@
                 <a:latin typeface="华文楷体" pitchFamily="2" charset="-122"/>
                 <a:ea typeface="华文楷体" pitchFamily="2" charset="-122"/>
               </a:rPr>
-              <a:t>对象，供后续权限验证（授权）时使用</a:t>
+              <a:t>对象，供后续</a:t>
+            </a:r>
+            <a:r>
+              <a:rPr lang="zh-CN" altLang="en-US" sz="3200" b="1" dirty="0" smtClean="0">
+                <a:solidFill>
+                  <a:schemeClr val="tx1">
+                    <a:lumMod val="75000"/>
+                    <a:lumOff val="25000"/>
+                  </a:schemeClr>
+                </a:solidFill>
+                <a:latin typeface="华文楷体" pitchFamily="2" charset="-122"/>
+                <a:ea typeface="华文楷体" pitchFamily="2" charset="-122"/>
+              </a:rPr>
+              <a:t>权限校验（</a:t>
+            </a:r>
+            <a:r>
+              <a:rPr lang="zh-CN" altLang="en-US" sz="3200" b="1" dirty="0" smtClean="0">
+                <a:solidFill>
+                  <a:schemeClr val="tx1">
+                    <a:lumMod val="75000"/>
+                    <a:lumOff val="25000"/>
+                  </a:schemeClr>
+                </a:solidFill>
+                <a:latin typeface="华文楷体" pitchFamily="2" charset="-122"/>
+                <a:ea typeface="华文楷体" pitchFamily="2" charset="-122"/>
+              </a:rPr>
+              <a:t>授权）时</a:t>
+            </a:r>
+            <a:r>
+              <a:rPr lang="zh-CN" altLang="en-US" sz="3200" b="1" dirty="0" smtClean="0">
+                <a:solidFill>
+                  <a:schemeClr val="tx1">
+                    <a:lumMod val="75000"/>
+                    <a:lumOff val="25000"/>
+                  </a:schemeClr>
+                </a:solidFill>
+                <a:latin typeface="华文楷体" pitchFamily="2" charset="-122"/>
+                <a:ea typeface="华文楷体" pitchFamily="2" charset="-122"/>
+              </a:rPr>
+              <a:t>使用</a:t>
             </a:r>
             <a:endParaRPr lang="en-US" altLang="zh-CN" sz="3200" b="1" dirty="0" smtClean="0">
               <a:solidFill>
@@ -6656,6 +8901,29 @@
               <a:ea typeface="华文楷体" pitchFamily="2" charset="-122"/>
             </a:endParaRPr>
           </a:p>
+        </p:txBody>
+      </p:sp>
+      <p:sp>
+        <p:nvSpPr>
+          <p:cNvPr id="4" name="TextBox 3"/>
+          <p:cNvSpPr txBox="1"/>
+          <p:nvPr/>
+        </p:nvSpPr>
+        <p:spPr>
+          <a:xfrm>
+            <a:off x="714348" y="3295723"/>
+            <a:ext cx="7929618" cy="584775"/>
+          </a:xfrm>
+          <a:prstGeom prst="rect">
+            <a:avLst/>
+          </a:prstGeom>
+          <a:noFill/>
+        </p:spPr>
+        <p:txBody>
+          <a:bodyPr wrap="square" rtlCol="0">
+            <a:spAutoFit/>
+          </a:bodyPr>
+          <a:lstStyle/>
           <a:p>
             <a:r>
               <a:rPr lang="zh-CN" altLang="en-US" sz="3200" b="1" dirty="0" smtClean="0">
@@ -6668,7 +8936,20 @@
                 <a:latin typeface="华文楷体" pitchFamily="2" charset="-122"/>
                 <a:ea typeface="华文楷体" pitchFamily="2" charset="-122"/>
               </a:rPr>
-              <a:t>从其中可以获取用户信息，权限信息等</a:t>
+              <a:t>从</a:t>
+            </a:r>
+            <a:r>
+              <a:rPr lang="zh-CN" altLang="en-US" sz="3200" b="1" dirty="0" smtClean="0">
+                <a:solidFill>
+                  <a:schemeClr val="tx1">
+                    <a:lumMod val="75000"/>
+                    <a:lumOff val="25000"/>
+                  </a:schemeClr>
+                </a:solidFill>
+                <a:latin typeface="华文楷体" pitchFamily="2" charset="-122"/>
+                <a:ea typeface="华文楷体" pitchFamily="2" charset="-122"/>
+              </a:rPr>
+              <a:t>其中可以获取用户信息，权限信息等</a:t>
             </a:r>
             <a:endParaRPr lang="en-US" altLang="zh-CN" sz="3200" b="1" dirty="0" smtClean="0">
               <a:solidFill>

--- a/ppt/spring-security-easy-in-01.pptx
+++ b/ppt/spring-security-easy-in-01.pptx
@@ -301,7 +301,7 @@
             <a:fld id="{530820CF-B880-4189-942D-D702A7CBA730}" type="datetimeFigureOut">
               <a:rPr lang="zh-CN" altLang="en-US" smtClean="0"/>
               <a:pPr/>
-              <a:t>2018/11/16</a:t>
+              <a:t>2018-11-17</a:t>
             </a:fld>
             <a:endParaRPr lang="zh-CN" altLang="en-US"/>
           </a:p>
@@ -468,7 +468,7 @@
             <a:fld id="{530820CF-B880-4189-942D-D702A7CBA730}" type="datetimeFigureOut">
               <a:rPr lang="zh-CN" altLang="en-US" smtClean="0"/>
               <a:pPr/>
-              <a:t>2018/11/16</a:t>
+              <a:t>2018-11-17</a:t>
             </a:fld>
             <a:endParaRPr lang="zh-CN" altLang="en-US"/>
           </a:p>
@@ -645,7 +645,7 @@
             <a:fld id="{530820CF-B880-4189-942D-D702A7CBA730}" type="datetimeFigureOut">
               <a:rPr lang="zh-CN" altLang="en-US" smtClean="0"/>
               <a:pPr/>
-              <a:t>2018/11/16</a:t>
+              <a:t>2018-11-17</a:t>
             </a:fld>
             <a:endParaRPr lang="zh-CN" altLang="en-US"/>
           </a:p>
@@ -812,7 +812,7 @@
             <a:fld id="{530820CF-B880-4189-942D-D702A7CBA730}" type="datetimeFigureOut">
               <a:rPr lang="zh-CN" altLang="en-US" smtClean="0"/>
               <a:pPr/>
-              <a:t>2018/11/16</a:t>
+              <a:t>2018-11-17</a:t>
             </a:fld>
             <a:endParaRPr lang="zh-CN" altLang="en-US"/>
           </a:p>
@@ -1055,7 +1055,7 @@
             <a:fld id="{530820CF-B880-4189-942D-D702A7CBA730}" type="datetimeFigureOut">
               <a:rPr lang="zh-CN" altLang="en-US" smtClean="0"/>
               <a:pPr/>
-              <a:t>2018/11/16</a:t>
+              <a:t>2018-11-17</a:t>
             </a:fld>
             <a:endParaRPr lang="zh-CN" altLang="en-US"/>
           </a:p>
@@ -1340,7 +1340,7 @@
             <a:fld id="{530820CF-B880-4189-942D-D702A7CBA730}" type="datetimeFigureOut">
               <a:rPr lang="zh-CN" altLang="en-US" smtClean="0"/>
               <a:pPr/>
-              <a:t>2018/11/16</a:t>
+              <a:t>2018-11-17</a:t>
             </a:fld>
             <a:endParaRPr lang="zh-CN" altLang="en-US"/>
           </a:p>
@@ -1759,7 +1759,7 @@
             <a:fld id="{530820CF-B880-4189-942D-D702A7CBA730}" type="datetimeFigureOut">
               <a:rPr lang="zh-CN" altLang="en-US" smtClean="0"/>
               <a:pPr/>
-              <a:t>2018/11/16</a:t>
+              <a:t>2018-11-17</a:t>
             </a:fld>
             <a:endParaRPr lang="zh-CN" altLang="en-US"/>
           </a:p>
@@ -1874,7 +1874,7 @@
             <a:fld id="{530820CF-B880-4189-942D-D702A7CBA730}" type="datetimeFigureOut">
               <a:rPr lang="zh-CN" altLang="en-US" smtClean="0"/>
               <a:pPr/>
-              <a:t>2018/11/16</a:t>
+              <a:t>2018-11-17</a:t>
             </a:fld>
             <a:endParaRPr lang="zh-CN" altLang="en-US"/>
           </a:p>
@@ -1966,7 +1966,7 @@
             <a:fld id="{530820CF-B880-4189-942D-D702A7CBA730}" type="datetimeFigureOut">
               <a:rPr lang="zh-CN" altLang="en-US" smtClean="0"/>
               <a:pPr/>
-              <a:t>2018/11/16</a:t>
+              <a:t>2018-11-17</a:t>
             </a:fld>
             <a:endParaRPr lang="zh-CN" altLang="en-US"/>
           </a:p>
@@ -2240,7 +2240,7 @@
             <a:fld id="{530820CF-B880-4189-942D-D702A7CBA730}" type="datetimeFigureOut">
               <a:rPr lang="zh-CN" altLang="en-US" smtClean="0"/>
               <a:pPr/>
-              <a:t>2018/11/16</a:t>
+              <a:t>2018-11-17</a:t>
             </a:fld>
             <a:endParaRPr lang="zh-CN" altLang="en-US"/>
           </a:p>
@@ -2490,7 +2490,7 @@
             <a:fld id="{530820CF-B880-4189-942D-D702A7CBA730}" type="datetimeFigureOut">
               <a:rPr lang="zh-CN" altLang="en-US" smtClean="0"/>
               <a:pPr/>
-              <a:t>2018/11/16</a:t>
+              <a:t>2018-11-17</a:t>
             </a:fld>
             <a:endParaRPr lang="zh-CN" altLang="en-US"/>
           </a:p>
@@ -2705,7 +2705,7 @@
             <a:fld id="{530820CF-B880-4189-942D-D702A7CBA730}" type="datetimeFigureOut">
               <a:rPr lang="zh-CN" altLang="en-US" smtClean="0"/>
               <a:pPr/>
-              <a:t>2018/11/16</a:t>
+              <a:t>2018-11-17</a:t>
             </a:fld>
             <a:endParaRPr lang="zh-CN" altLang="en-US"/>
           </a:p>
@@ -3084,8 +3084,8 @@
         </p:nvSpPr>
         <p:spPr>
           <a:xfrm>
-            <a:off x="785786" y="2428868"/>
-            <a:ext cx="7715304" cy="1015663"/>
+            <a:off x="179512" y="2428868"/>
+            <a:ext cx="8712968" cy="1015663"/>
           </a:xfrm>
           <a:prstGeom prst="rect">
             <a:avLst/>
@@ -3113,17 +3113,17 @@
               <a:t>轻松入门</a:t>
             </a:r>
             <a:r>
-              <a:rPr lang="en-US" altLang="zh-CN" sz="6000" b="1" dirty="0" smtClean="0">
-                <a:solidFill>
-                  <a:schemeClr val="tx1">
-                    <a:lumMod val="75000"/>
-                    <a:lumOff val="25000"/>
-                  </a:schemeClr>
-                </a:solidFill>
-                <a:latin typeface="华文楷体" pitchFamily="2" charset="-122"/>
-                <a:ea typeface="华文楷体" pitchFamily="2" charset="-122"/>
-              </a:rPr>
-              <a:t>Spring Security</a:t>
+              <a:rPr lang="en-US" altLang="zh-CN" sz="6000" b="1" dirty="0" err="1" smtClean="0">
+                <a:solidFill>
+                  <a:schemeClr val="tx1">
+                    <a:lumMod val="75000"/>
+                    <a:lumOff val="25000"/>
+                  </a:schemeClr>
+                </a:solidFill>
+                <a:latin typeface="华文楷体" pitchFamily="2" charset="-122"/>
+                <a:ea typeface="华文楷体" pitchFamily="2" charset="-122"/>
+              </a:rPr>
+              <a:t>SpringSecurity</a:t>
             </a:r>
             <a:endParaRPr lang="zh-CN" altLang="en-US" sz="6000" b="1" dirty="0">
               <a:solidFill>
@@ -4120,20 +4120,7 @@
                 <a:latin typeface="华文楷体" pitchFamily="2" charset="-122"/>
                 <a:ea typeface="华文楷体" pitchFamily="2" charset="-122"/>
               </a:rPr>
-              <a:t>有密切</a:t>
-            </a:r>
-            <a:r>
-              <a:rPr lang="zh-CN" altLang="en-US" sz="3200" b="1" dirty="0" smtClean="0">
-                <a:solidFill>
-                  <a:schemeClr val="tx1">
-                    <a:lumMod val="75000"/>
-                    <a:lumOff val="25000"/>
-                  </a:schemeClr>
-                </a:solidFill>
-                <a:latin typeface="华文楷体" pitchFamily="2" charset="-122"/>
-                <a:ea typeface="华文楷体" pitchFamily="2" charset="-122"/>
-              </a:rPr>
-              <a:t>关系</a:t>
+              <a:t>有密切关系</a:t>
             </a:r>
             <a:endParaRPr lang="en-US" altLang="zh-CN" sz="3200" b="1" dirty="0" smtClean="0">
               <a:solidFill>
@@ -4157,7 +4144,7 @@
         <p:spPr>
           <a:xfrm>
             <a:off x="714348" y="2786058"/>
-            <a:ext cx="7929618" cy="1569660"/>
+            <a:ext cx="8250140" cy="1569660"/>
           </a:xfrm>
           <a:prstGeom prst="rect">
             <a:avLst/>
@@ -4181,20 +4168,7 @@
                 <a:latin typeface="华文楷体" pitchFamily="2" charset="-122"/>
                 <a:ea typeface="华文楷体" pitchFamily="2" charset="-122"/>
               </a:rPr>
-              <a:t>所以</a:t>
-            </a:r>
-            <a:r>
-              <a:rPr lang="zh-CN" altLang="en-US" sz="3200" b="1" dirty="0" smtClean="0">
-                <a:solidFill>
-                  <a:schemeClr val="tx1">
-                    <a:lumMod val="75000"/>
-                    <a:lumOff val="25000"/>
-                  </a:schemeClr>
-                </a:solidFill>
-                <a:latin typeface="华文楷体" pitchFamily="2" charset="-122"/>
-                <a:ea typeface="华文楷体" pitchFamily="2" charset="-122"/>
-              </a:rPr>
-              <a:t>需要配置</a:t>
+              <a:t>所以需要配置</a:t>
             </a:r>
             <a:r>
               <a:rPr lang="en-US" altLang="zh-CN" sz="3200" b="1" dirty="0" err="1" smtClean="0">
@@ -4637,7 +4611,7 @@
         <p:spPr>
           <a:xfrm>
             <a:off x="714348" y="2214554"/>
-            <a:ext cx="7929618" cy="584775"/>
+            <a:ext cx="8250140" cy="584775"/>
           </a:xfrm>
           <a:prstGeom prst="rect">
             <a:avLst/>
@@ -6269,20 +6243,7 @@
                 <a:latin typeface="华文楷体" pitchFamily="2" charset="-122"/>
                 <a:ea typeface="华文楷体" pitchFamily="2" charset="-122"/>
               </a:rPr>
-              <a:t>设置</a:t>
-            </a:r>
-            <a:r>
-              <a:rPr lang="zh-CN" altLang="en-US" sz="3200" b="1" dirty="0" smtClean="0">
-                <a:solidFill>
-                  <a:schemeClr val="tx1">
-                    <a:lumMod val="75000"/>
-                    <a:lumOff val="25000"/>
-                  </a:schemeClr>
-                </a:solidFill>
-                <a:latin typeface="华文楷体" pitchFamily="2" charset="-122"/>
-                <a:ea typeface="华文楷体" pitchFamily="2" charset="-122"/>
-              </a:rPr>
-              <a:t>属性</a:t>
+              <a:t>设置属性</a:t>
             </a:r>
             <a:endParaRPr lang="en-US" altLang="zh-CN" sz="3200" b="1" dirty="0" smtClean="0">
               <a:solidFill>
@@ -6334,16 +6295,6 @@
               </a:rPr>
               <a:t>重写指定方法</a:t>
             </a:r>
-            <a:endParaRPr lang="zh-CN" altLang="en-US" sz="3200" b="1" dirty="0" smtClean="0">
-              <a:solidFill>
-                <a:schemeClr val="tx1">
-                  <a:lumMod val="75000"/>
-                  <a:lumOff val="25000"/>
-                </a:schemeClr>
-              </a:solidFill>
-              <a:latin typeface="华文楷体" pitchFamily="2" charset="-122"/>
-              <a:ea typeface="华文楷体" pitchFamily="2" charset="-122"/>
-            </a:endParaRPr>
           </a:p>
         </p:txBody>
       </p:sp>
@@ -6598,20 +6549,7 @@
                 <a:latin typeface="华文楷体" pitchFamily="2" charset="-122"/>
                 <a:ea typeface="华文楷体" pitchFamily="2" charset="-122"/>
               </a:rPr>
-              <a:t>(Integration</a:t>
-            </a:r>
-            <a:r>
-              <a:rPr lang="en-US" altLang="zh-CN" sz="4000" b="1" dirty="0" smtClean="0">
-                <a:solidFill>
-                  <a:schemeClr val="tx1">
-                    <a:lumMod val="75000"/>
-                    <a:lumOff val="25000"/>
-                  </a:schemeClr>
-                </a:solidFill>
-                <a:latin typeface="华文楷体" pitchFamily="2" charset="-122"/>
-                <a:ea typeface="华文楷体" pitchFamily="2" charset="-122"/>
-              </a:rPr>
-              <a:t>)</a:t>
+              <a:t>(Integration)</a:t>
             </a:r>
             <a:endParaRPr lang="zh-CN" altLang="en-US" sz="4000" b="1" dirty="0">
               <a:solidFill>
@@ -6685,20 +6623,7 @@
                 <a:latin typeface="华文楷体" pitchFamily="2" charset="-122"/>
                 <a:ea typeface="华文楷体" pitchFamily="2" charset="-122"/>
               </a:rPr>
-              <a:t>引入</a:t>
-            </a:r>
-            <a:r>
-              <a:rPr lang="zh-CN" altLang="en-US" sz="3200" b="1" dirty="0" smtClean="0">
-                <a:solidFill>
-                  <a:schemeClr val="tx1">
-                    <a:lumMod val="75000"/>
-                    <a:lumOff val="25000"/>
-                  </a:schemeClr>
-                </a:solidFill>
-                <a:latin typeface="华文楷体" pitchFamily="2" charset="-122"/>
-                <a:ea typeface="华文楷体" pitchFamily="2" charset="-122"/>
-              </a:rPr>
-              <a:t>依赖</a:t>
+              <a:t>引入依赖</a:t>
             </a:r>
             <a:endParaRPr lang="en-US" altLang="zh-CN" sz="3200" b="1" dirty="0" smtClean="0">
               <a:solidFill>
@@ -6746,20 +6671,7 @@
                 <a:latin typeface="华文楷体" pitchFamily="2" charset="-122"/>
                 <a:ea typeface="华文楷体" pitchFamily="2" charset="-122"/>
               </a:rPr>
-              <a:t>定义</a:t>
-            </a:r>
-            <a:r>
-              <a:rPr lang="zh-CN" altLang="en-US" sz="3200" b="1" dirty="0" smtClean="0">
-                <a:solidFill>
-                  <a:schemeClr val="tx1">
-                    <a:lumMod val="75000"/>
-                    <a:lumOff val="25000"/>
-                  </a:schemeClr>
-                </a:solidFill>
-                <a:latin typeface="华文楷体" pitchFamily="2" charset="-122"/>
-                <a:ea typeface="华文楷体" pitchFamily="2" charset="-122"/>
-              </a:rPr>
-              <a:t>一个类来继承</a:t>
+              <a:t>定义一个类来继承</a:t>
             </a:r>
             <a:endParaRPr lang="en-US" altLang="zh-CN" sz="3200" b="1" dirty="0" smtClean="0">
               <a:solidFill>
@@ -6774,32 +6686,6 @@
           </a:p>
           <a:p>
             <a:r>
-              <a:rPr lang="en-US" altLang="zh-CN" sz="3200" b="1" dirty="0" smtClean="0">
-                <a:solidFill>
-                  <a:schemeClr val="tx1">
-                    <a:lumMod val="75000"/>
-                    <a:lumOff val="25000"/>
-                  </a:schemeClr>
-                </a:solidFill>
-                <a:latin typeface="华文楷体" pitchFamily="2" charset="-122"/>
-                <a:ea typeface="华文楷体" pitchFamily="2" charset="-122"/>
-              </a:rPr>
-              <a:t>       </a:t>
-            </a:r>
-            <a:r>
-              <a:rPr lang="zh-CN" altLang="en-US" sz="3200" b="1" dirty="0" smtClean="0">
-                <a:solidFill>
-                  <a:schemeClr val="tx1">
-                    <a:lumMod val="75000"/>
-                    <a:lumOff val="25000"/>
-                  </a:schemeClr>
-                </a:solidFill>
-                <a:latin typeface="华文楷体" pitchFamily="2" charset="-122"/>
-                <a:ea typeface="华文楷体" pitchFamily="2" charset="-122"/>
-              </a:rPr>
-              <a:t> </a:t>
-            </a:r>
-            <a:r>
               <a:rPr lang="en-US" altLang="zh-CN" sz="3200" dirty="0" err="1" smtClean="0"/>
               <a:t>AbstractSecurityWebApplicationInitializer</a:t>
             </a:r>
@@ -6840,20 +6726,7 @@
                 <a:latin typeface="华文楷体" pitchFamily="2" charset="-122"/>
                 <a:ea typeface="华文楷体" pitchFamily="2" charset="-122"/>
               </a:rPr>
-              <a:t>定义</a:t>
-            </a:r>
-            <a:r>
-              <a:rPr lang="zh-CN" altLang="en-US" sz="3200" b="1" dirty="0" smtClean="0">
-                <a:solidFill>
-                  <a:schemeClr val="tx1">
-                    <a:lumMod val="75000"/>
-                    <a:lumOff val="25000"/>
-                  </a:schemeClr>
-                </a:solidFill>
-                <a:latin typeface="华文楷体" pitchFamily="2" charset="-122"/>
-                <a:ea typeface="华文楷体" pitchFamily="2" charset="-122"/>
-              </a:rPr>
-              <a:t>一个类来继承</a:t>
+              <a:t>定义一个类来继承</a:t>
             </a:r>
             <a:endParaRPr lang="en-US" altLang="zh-CN" sz="3200" b="1" dirty="0" smtClean="0">
               <a:solidFill>
@@ -6867,10 +6740,6 @@
             </a:endParaRPr>
           </a:p>
           <a:p>
-            <a:r>
-              <a:rPr lang="en-US" altLang="zh-CN" sz="3200" dirty="0" smtClean="0"/>
-              <a:t>        </a:t>
-            </a:r>
             <a:r>
               <a:rPr lang="en-US" altLang="zh-CN" sz="3200" dirty="0" err="1" smtClean="0"/>
               <a:t>WebSecurityConfigurerAdapter</a:t>
@@ -8251,20 +8120,7 @@
                 <a:latin typeface="华文楷体" pitchFamily="2" charset="-122"/>
                 <a:ea typeface="华文楷体" pitchFamily="2" charset="-122"/>
               </a:rPr>
-              <a:t>，接口，负责加载</a:t>
-            </a:r>
-            <a:r>
-              <a:rPr lang="zh-CN" altLang="en-US" sz="3200" b="1" dirty="0" smtClean="0">
-                <a:solidFill>
-                  <a:schemeClr val="tx1">
-                    <a:lumMod val="75000"/>
-                    <a:lumOff val="25000"/>
-                  </a:schemeClr>
-                </a:solidFill>
-                <a:latin typeface="华文楷体" pitchFamily="2" charset="-122"/>
-                <a:ea typeface="华文楷体" pitchFamily="2" charset="-122"/>
-              </a:rPr>
-              <a:t>用户</a:t>
+              <a:t>，接口，负责加载用户</a:t>
             </a:r>
             <a:endParaRPr lang="en-US" altLang="zh-CN" sz="3200" b="1" dirty="0" smtClean="0">
               <a:solidFill>
@@ -8320,20 +8176,7 @@
                 <a:latin typeface="华文楷体" pitchFamily="2" charset="-122"/>
                 <a:ea typeface="华文楷体" pitchFamily="2" charset="-122"/>
               </a:rPr>
-              <a:t>，接口，负责密码</a:t>
-            </a:r>
-            <a:r>
-              <a:rPr lang="zh-CN" altLang="en-US" sz="3200" b="1" dirty="0" smtClean="0">
-                <a:solidFill>
-                  <a:schemeClr val="tx1">
-                    <a:lumMod val="75000"/>
-                    <a:lumOff val="25000"/>
-                  </a:schemeClr>
-                </a:solidFill>
-                <a:latin typeface="华文楷体" pitchFamily="2" charset="-122"/>
-                <a:ea typeface="华文楷体" pitchFamily="2" charset="-122"/>
-              </a:rPr>
-              <a:t>加密</a:t>
+              <a:t>，接口，负责密码加密</a:t>
             </a:r>
             <a:endParaRPr lang="en-US" altLang="zh-CN" sz="3200" b="1" dirty="0" smtClean="0">
               <a:solidFill>
@@ -8381,20 +8224,7 @@
                 <a:latin typeface="华文楷体" pitchFamily="2" charset="-122"/>
                 <a:ea typeface="华文楷体" pitchFamily="2" charset="-122"/>
               </a:rPr>
-              <a:t>注意：这些</a:t>
-            </a:r>
-            <a:r>
-              <a:rPr lang="zh-CN" altLang="en-US" sz="3200" b="1" dirty="0" smtClean="0">
-                <a:solidFill>
-                  <a:schemeClr val="tx1">
-                    <a:lumMod val="75000"/>
-                    <a:lumOff val="25000"/>
-                  </a:schemeClr>
-                </a:solidFill>
-                <a:latin typeface="华文楷体" pitchFamily="2" charset="-122"/>
-                <a:ea typeface="华文楷体" pitchFamily="2" charset="-122"/>
-              </a:rPr>
-              <a:t>内容只在登陆（认证）的时候使用</a:t>
+              <a:t>注意：这些内容只在登陆（认证）的时候使用</a:t>
             </a:r>
             <a:endParaRPr lang="en-US" altLang="zh-CN" sz="3200" b="1" dirty="0" smtClean="0">
               <a:solidFill>
@@ -8849,46 +8679,7 @@
                 <a:latin typeface="华文楷体" pitchFamily="2" charset="-122"/>
                 <a:ea typeface="华文楷体" pitchFamily="2" charset="-122"/>
               </a:rPr>
-              <a:t>对象，供后续</a:t>
-            </a:r>
-            <a:r>
-              <a:rPr lang="zh-CN" altLang="en-US" sz="3200" b="1" dirty="0" smtClean="0">
-                <a:solidFill>
-                  <a:schemeClr val="tx1">
-                    <a:lumMod val="75000"/>
-                    <a:lumOff val="25000"/>
-                  </a:schemeClr>
-                </a:solidFill>
-                <a:latin typeface="华文楷体" pitchFamily="2" charset="-122"/>
-                <a:ea typeface="华文楷体" pitchFamily="2" charset="-122"/>
-              </a:rPr>
-              <a:t>权限校验（</a:t>
-            </a:r>
-            <a:r>
-              <a:rPr lang="zh-CN" altLang="en-US" sz="3200" b="1" dirty="0" smtClean="0">
-                <a:solidFill>
-                  <a:schemeClr val="tx1">
-                    <a:lumMod val="75000"/>
-                    <a:lumOff val="25000"/>
-                  </a:schemeClr>
-                </a:solidFill>
-                <a:latin typeface="华文楷体" pitchFamily="2" charset="-122"/>
-                <a:ea typeface="华文楷体" pitchFamily="2" charset="-122"/>
-              </a:rPr>
-              <a:t>授权）时</a:t>
-            </a:r>
-            <a:r>
-              <a:rPr lang="zh-CN" altLang="en-US" sz="3200" b="1" dirty="0" smtClean="0">
-                <a:solidFill>
-                  <a:schemeClr val="tx1">
-                    <a:lumMod val="75000"/>
-                    <a:lumOff val="25000"/>
-                  </a:schemeClr>
-                </a:solidFill>
-                <a:latin typeface="华文楷体" pitchFamily="2" charset="-122"/>
-                <a:ea typeface="华文楷体" pitchFamily="2" charset="-122"/>
-              </a:rPr>
-              <a:t>使用</a:t>
+              <a:t>对象，供后续权限校验（授权）时使用</a:t>
             </a:r>
             <a:endParaRPr lang="en-US" altLang="zh-CN" sz="3200" b="1" dirty="0" smtClean="0">
               <a:solidFill>
@@ -8936,20 +8727,7 @@
                 <a:latin typeface="华文楷体" pitchFamily="2" charset="-122"/>
                 <a:ea typeface="华文楷体" pitchFamily="2" charset="-122"/>
               </a:rPr>
-              <a:t>从</a:t>
-            </a:r>
-            <a:r>
-              <a:rPr lang="zh-CN" altLang="en-US" sz="3200" b="1" dirty="0" smtClean="0">
-                <a:solidFill>
-                  <a:schemeClr val="tx1">
-                    <a:lumMod val="75000"/>
-                    <a:lumOff val="25000"/>
-                  </a:schemeClr>
-                </a:solidFill>
-                <a:latin typeface="华文楷体" pitchFamily="2" charset="-122"/>
-                <a:ea typeface="华文楷体" pitchFamily="2" charset="-122"/>
-              </a:rPr>
-              <a:t>其中可以获取用户信息，权限信息等</a:t>
+              <a:t>从其中可以获取用户信息，权限信息等</a:t>
             </a:r>
             <a:endParaRPr lang="en-US" altLang="zh-CN" sz="3200" b="1" dirty="0" smtClean="0">
               <a:solidFill>

--- a/ppt/spring-security-easy-in-01.pptx
+++ b/ppt/spring-security-easy-in-01.pptx
@@ -301,7 +301,7 @@
             <a:fld id="{530820CF-B880-4189-942D-D702A7CBA730}" type="datetimeFigureOut">
               <a:rPr lang="zh-CN" altLang="en-US" smtClean="0"/>
               <a:pPr/>
-              <a:t>2018-11-17</a:t>
+              <a:t>2018-11-19</a:t>
             </a:fld>
             <a:endParaRPr lang="zh-CN" altLang="en-US"/>
           </a:p>
@@ -468,7 +468,7 @@
             <a:fld id="{530820CF-B880-4189-942D-D702A7CBA730}" type="datetimeFigureOut">
               <a:rPr lang="zh-CN" altLang="en-US" smtClean="0"/>
               <a:pPr/>
-              <a:t>2018-11-17</a:t>
+              <a:t>2018-11-19</a:t>
             </a:fld>
             <a:endParaRPr lang="zh-CN" altLang="en-US"/>
           </a:p>
@@ -645,7 +645,7 @@
             <a:fld id="{530820CF-B880-4189-942D-D702A7CBA730}" type="datetimeFigureOut">
               <a:rPr lang="zh-CN" altLang="en-US" smtClean="0"/>
               <a:pPr/>
-              <a:t>2018-11-17</a:t>
+              <a:t>2018-11-19</a:t>
             </a:fld>
             <a:endParaRPr lang="zh-CN" altLang="en-US"/>
           </a:p>
@@ -812,7 +812,7 @@
             <a:fld id="{530820CF-B880-4189-942D-D702A7CBA730}" type="datetimeFigureOut">
               <a:rPr lang="zh-CN" altLang="en-US" smtClean="0"/>
               <a:pPr/>
-              <a:t>2018-11-17</a:t>
+              <a:t>2018-11-19</a:t>
             </a:fld>
             <a:endParaRPr lang="zh-CN" altLang="en-US"/>
           </a:p>
@@ -1055,7 +1055,7 @@
             <a:fld id="{530820CF-B880-4189-942D-D702A7CBA730}" type="datetimeFigureOut">
               <a:rPr lang="zh-CN" altLang="en-US" smtClean="0"/>
               <a:pPr/>
-              <a:t>2018-11-17</a:t>
+              <a:t>2018-11-19</a:t>
             </a:fld>
             <a:endParaRPr lang="zh-CN" altLang="en-US"/>
           </a:p>
@@ -1340,7 +1340,7 @@
             <a:fld id="{530820CF-B880-4189-942D-D702A7CBA730}" type="datetimeFigureOut">
               <a:rPr lang="zh-CN" altLang="en-US" smtClean="0"/>
               <a:pPr/>
-              <a:t>2018-11-17</a:t>
+              <a:t>2018-11-19</a:t>
             </a:fld>
             <a:endParaRPr lang="zh-CN" altLang="en-US"/>
           </a:p>
@@ -1759,7 +1759,7 @@
             <a:fld id="{530820CF-B880-4189-942D-D702A7CBA730}" type="datetimeFigureOut">
               <a:rPr lang="zh-CN" altLang="en-US" smtClean="0"/>
               <a:pPr/>
-              <a:t>2018-11-17</a:t>
+              <a:t>2018-11-19</a:t>
             </a:fld>
             <a:endParaRPr lang="zh-CN" altLang="en-US"/>
           </a:p>
@@ -1874,7 +1874,7 @@
             <a:fld id="{530820CF-B880-4189-942D-D702A7CBA730}" type="datetimeFigureOut">
               <a:rPr lang="zh-CN" altLang="en-US" smtClean="0"/>
               <a:pPr/>
-              <a:t>2018-11-17</a:t>
+              <a:t>2018-11-19</a:t>
             </a:fld>
             <a:endParaRPr lang="zh-CN" altLang="en-US"/>
           </a:p>
@@ -1966,7 +1966,7 @@
             <a:fld id="{530820CF-B880-4189-942D-D702A7CBA730}" type="datetimeFigureOut">
               <a:rPr lang="zh-CN" altLang="en-US" smtClean="0"/>
               <a:pPr/>
-              <a:t>2018-11-17</a:t>
+              <a:t>2018-11-19</a:t>
             </a:fld>
             <a:endParaRPr lang="zh-CN" altLang="en-US"/>
           </a:p>
@@ -2240,7 +2240,7 @@
             <a:fld id="{530820CF-B880-4189-942D-D702A7CBA730}" type="datetimeFigureOut">
               <a:rPr lang="zh-CN" altLang="en-US" smtClean="0"/>
               <a:pPr/>
-              <a:t>2018-11-17</a:t>
+              <a:t>2018-11-19</a:t>
             </a:fld>
             <a:endParaRPr lang="zh-CN" altLang="en-US"/>
           </a:p>
@@ -2490,7 +2490,7 @@
             <a:fld id="{530820CF-B880-4189-942D-D702A7CBA730}" type="datetimeFigureOut">
               <a:rPr lang="zh-CN" altLang="en-US" smtClean="0"/>
               <a:pPr/>
-              <a:t>2018-11-17</a:t>
+              <a:t>2018-11-19</a:t>
             </a:fld>
             <a:endParaRPr lang="zh-CN" altLang="en-US"/>
           </a:p>
@@ -2705,7 +2705,7 @@
             <a:fld id="{530820CF-B880-4189-942D-D702A7CBA730}" type="datetimeFigureOut">
               <a:rPr lang="zh-CN" altLang="en-US" smtClean="0"/>
               <a:pPr/>
-              <a:t>2018-11-17</a:t>
+              <a:t>2018-11-19</a:t>
             </a:fld>
             <a:endParaRPr lang="zh-CN" altLang="en-US"/>
           </a:p>
@@ -6749,7 +6749,13 @@
               <a:t>，</a:t>
             </a:r>
             <a:r>
-              <a:rPr lang="zh-CN" altLang="en-US" sz="3200" dirty="0" smtClean="0">
+              <a:rPr lang="zh-CN" altLang="en-US" sz="3200" b="1" dirty="0" smtClean="0">
+                <a:solidFill>
+                  <a:schemeClr val="tx1">
+                    <a:lumMod val="75000"/>
+                    <a:lumOff val="25000"/>
+                  </a:schemeClr>
+                </a:solidFill>
                 <a:latin typeface="华文楷体" pitchFamily="2" charset="-122"/>
                 <a:ea typeface="华文楷体" pitchFamily="2" charset="-122"/>
               </a:rPr>

--- a/ppt/spring-security-easy-in-01.pptx
+++ b/ppt/spring-security-easy-in-01.pptx
@@ -3183,6 +3183,36 @@
               <a:latin typeface="华文楷体" pitchFamily="2" charset="-122"/>
               <a:ea typeface="华文楷体" pitchFamily="2" charset="-122"/>
             </a:endParaRPr>
+          </a:p>
+        </p:txBody>
+      </p:sp>
+      <p:sp>
+        <p:nvSpPr>
+          <p:cNvPr id="4" name="TextBox 3"/>
+          <p:cNvSpPr txBox="1"/>
+          <p:nvPr/>
+        </p:nvSpPr>
+        <p:spPr>
+          <a:xfrm>
+            <a:off x="419645" y="5590981"/>
+            <a:ext cx="8328819" cy="646331"/>
+          </a:xfrm>
+          <a:prstGeom prst="rect">
+            <a:avLst/>
+          </a:prstGeom>
+          <a:noFill/>
+        </p:spPr>
+        <p:txBody>
+          <a:bodyPr wrap="none" rtlCol="0">
+            <a:spAutoFit/>
+          </a:bodyPr>
+          <a:lstStyle/>
+          <a:p>
+            <a:r>
+              <a:rPr lang="en-US" altLang="zh-CN" sz="3600" dirty="0" smtClean="0"/>
+              <a:t>https://github.com/endofprogram/eop-ssei</a:t>
+            </a:r>
+            <a:endParaRPr lang="zh-CN" altLang="en-US" sz="3600" dirty="0"/>
           </a:p>
         </p:txBody>
       </p:sp>
@@ -6759,20 +6789,7 @@
                 <a:latin typeface="华文楷体" pitchFamily="2" charset="-122"/>
                 <a:ea typeface="华文楷体" pitchFamily="2" charset="-122"/>
               </a:rPr>
-              <a:t>并把该类</a:t>
-            </a:r>
-            <a:r>
-              <a:rPr lang="zh-CN" altLang="en-US" sz="3200" b="1" dirty="0" smtClean="0">
-                <a:solidFill>
-                  <a:schemeClr val="tx1">
-                    <a:lumMod val="75000"/>
-                    <a:lumOff val="25000"/>
-                  </a:schemeClr>
-                </a:solidFill>
-                <a:latin typeface="华文楷体" pitchFamily="2" charset="-122"/>
-                <a:ea typeface="华文楷体" pitchFamily="2" charset="-122"/>
-              </a:rPr>
-              <a:t>放入容器</a:t>
+              <a:t>并把该类放入容器</a:t>
             </a:r>
             <a:endParaRPr lang="en-US" altLang="zh-CN" sz="3200" b="1" dirty="0" smtClean="0"/>
           </a:p>
